--- a/colloquium/colloquium.pptx
+++ b/colloquium/colloquium.pptx
@@ -245,7 +245,7 @@
             <a:fld id="{8735F185-AD7A-4C22-A2E9-366B5DE43DD2}" type="datetimeFigureOut">
               <a:rPr lang="de-DE" smtClean="0"/>
               <a:pPr/>
-              <a:t>03.05.15</a:t>
+              <a:t>06.05.15</a:t>
             </a:fld>
             <a:endParaRPr lang="de-DE"/>
           </a:p>
@@ -2810,6 +2810,54 @@
             <a:endParaRPr lang="de-DE" dirty="0" smtClean="0"/>
           </a:p>
           <a:p>
+            <a:pPr marL="457200" marR="0" lvl="2" indent="0" algn="l" defTabSz="914400" rtl="0" eaLnBrk="0" fontAlgn="base" latinLnBrk="0" hangingPunct="0">
+              <a:lnSpc>
+                <a:spcPct val="100000"/>
+              </a:lnSpc>
+              <a:spcBef>
+                <a:spcPct val="30000"/>
+              </a:spcBef>
+              <a:spcAft>
+                <a:spcPct val="0"/>
+              </a:spcAft>
+              <a:buClrTx/>
+              <a:buSzTx/>
+              <a:buFontTx/>
+              <a:buNone/>
+              <a:tabLst/>
+              <a:defRPr/>
+            </a:pPr>
+            <a:r>
+              <a:rPr lang="de-DE" dirty="0" smtClean="0"/>
+              <a:t>-  e.g. </a:t>
+            </a:r>
+            <a:r>
+              <a:rPr lang="de-DE" dirty="0" err="1" smtClean="0"/>
+              <a:t>when</a:t>
+            </a:r>
+            <a:r>
+              <a:rPr lang="de-DE" baseline="0" dirty="0" smtClean="0"/>
+              <a:t> </a:t>
+            </a:r>
+            <a:r>
+              <a:rPr lang="de-DE" baseline="0" dirty="0" err="1" smtClean="0"/>
+              <a:t>clicking</a:t>
+            </a:r>
+            <a:r>
+              <a:rPr lang="de-DE" baseline="0" dirty="0" smtClean="0"/>
+              <a:t> on a link, but not on </a:t>
+            </a:r>
+            <a:r>
+              <a:rPr lang="de-DE" baseline="0" dirty="0" err="1" smtClean="0"/>
+              <a:t>typeahead</a:t>
+            </a:r>
+            <a:r>
+              <a:rPr lang="de-DE" baseline="0" dirty="0" smtClean="0"/>
+              <a:t> </a:t>
+            </a:r>
+            <a:endParaRPr lang="de-DE" dirty="0" smtClean="0"/>
+          </a:p>
+          <a:p>
             <a:pPr marL="628650" marR="0" lvl="2" indent="-171450" algn="l" defTabSz="914400" rtl="0" eaLnBrk="0" fontAlgn="base" latinLnBrk="0" hangingPunct="0">
               <a:lnSpc>
                 <a:spcPct val="100000"/>
@@ -4138,11 +4186,23 @@
             </a:r>
             <a:r>
               <a:rPr lang="de-DE" baseline="0" dirty="0" smtClean="0"/>
-              <a:t> an AJAX-</a:t>
+              <a:t> an </a:t>
+            </a:r>
+            <a:r>
+              <a:rPr lang="de-DE" baseline="0" dirty="0" smtClean="0"/>
+              <a:t>AJAX-</a:t>
             </a:r>
             <a:r>
               <a:rPr lang="de-DE" baseline="0" dirty="0" err="1" smtClean="0"/>
               <a:t>engine</a:t>
+            </a:r>
+            <a:r>
+              <a:rPr lang="de-DE" baseline="0" dirty="0" smtClean="0"/>
+              <a:t>, </a:t>
+            </a:r>
+            <a:r>
+              <a:rPr lang="de-DE" baseline="0" dirty="0" err="1" smtClean="0"/>
+              <a:t>frontend</a:t>
             </a:r>
             <a:endParaRPr lang="de-DE" baseline="0" dirty="0" smtClean="0"/>
           </a:p>
@@ -6971,7 +7031,7 @@
             <a:fld id="{C312F0F1-63F7-411D-9D47-3740753B7891}" type="datetimeFigureOut">
               <a:rPr lang="en-US" noProof="0" smtClean="0"/>
               <a:pPr/>
-              <a:t>5/3/15</a:t>
+              <a:t>5/6/15</a:t>
             </a:fld>
             <a:endParaRPr lang="en-US" noProof="0"/>
           </a:p>
@@ -7172,7 +7232,7 @@
             <a:fld id="{C312F0F1-63F7-411D-9D47-3740753B7891}" type="datetimeFigureOut">
               <a:rPr lang="en-US" noProof="0" smtClean="0"/>
               <a:pPr/>
-              <a:t>5/3/15</a:t>
+              <a:t>5/6/15</a:t>
             </a:fld>
             <a:endParaRPr lang="en-US" noProof="0"/>
           </a:p>
@@ -7897,7 +7957,7 @@
             <a:fld id="{C312F0F1-63F7-411D-9D47-3740753B7891}" type="datetimeFigureOut">
               <a:rPr lang="en-US" noProof="0" smtClean="0"/>
               <a:pPr/>
-              <a:t>5/3/15</a:t>
+              <a:t>5/6/15</a:t>
             </a:fld>
             <a:endParaRPr lang="en-US" noProof="0"/>
           </a:p>
@@ -8340,7 +8400,7 @@
             <a:fld id="{C312F0F1-63F7-411D-9D47-3740753B7891}" type="datetimeFigureOut">
               <a:rPr lang="en-US" noProof="0" smtClean="0"/>
               <a:pPr/>
-              <a:t>5/3/15</a:t>
+              <a:t>5/6/15</a:t>
             </a:fld>
             <a:endParaRPr lang="en-US" noProof="0"/>
           </a:p>
@@ -8479,7 +8539,7 @@
             <a:fld id="{C312F0F1-63F7-411D-9D47-3740753B7891}" type="datetimeFigureOut">
               <a:rPr lang="en-US" noProof="0" smtClean="0"/>
               <a:pPr/>
-              <a:t>5/3/15</a:t>
+              <a:t>5/6/15</a:t>
             </a:fld>
             <a:endParaRPr lang="en-US" noProof="0"/>
           </a:p>
@@ -8595,7 +8655,7 @@
             <a:fld id="{C312F0F1-63F7-411D-9D47-3740753B7891}" type="datetimeFigureOut">
               <a:rPr lang="de-DE" smtClean="0"/>
               <a:pPr/>
-              <a:t>03.05.15</a:t>
+              <a:t>06.05.15</a:t>
             </a:fld>
             <a:endParaRPr lang="de-DE"/>
           </a:p>
@@ -8893,7 +8953,7 @@
             <a:fld id="{C312F0F1-63F7-411D-9D47-3740753B7891}" type="datetimeFigureOut">
               <a:rPr lang="en-US" noProof="0" smtClean="0"/>
               <a:pPr/>
-              <a:t>5/3/15</a:t>
+              <a:t>5/6/15</a:t>
             </a:fld>
             <a:endParaRPr lang="en-US" noProof="0"/>
           </a:p>
@@ -9167,7 +9227,7 @@
             <a:fld id="{C312F0F1-63F7-411D-9D47-3740753B7891}" type="datetimeFigureOut">
               <a:rPr lang="en-US" noProof="0" smtClean="0"/>
               <a:pPr/>
-              <a:t>5/3/15</a:t>
+              <a:t>5/6/15</a:t>
             </a:fld>
             <a:endParaRPr lang="en-US" noProof="0"/>
           </a:p>
@@ -11033,6 +11093,18 @@
               <a:rPr lang="de-DE" dirty="0" err="1" smtClean="0"/>
               <a:t>Result</a:t>
             </a:r>
+            <a:r>
+              <a:rPr lang="de-DE" dirty="0" smtClean="0"/>
+              <a:t> (</a:t>
+            </a:r>
+            <a:r>
+              <a:rPr lang="de-DE" dirty="0" err="1" smtClean="0"/>
+              <a:t>screenshots</a:t>
+            </a:r>
+            <a:r>
+              <a:rPr lang="de-DE" dirty="0" smtClean="0"/>
+              <a:t>)</a:t>
+            </a:r>
             <a:endParaRPr lang="de-DE" dirty="0" smtClean="0"/>
           </a:p>
           <a:p>
@@ -12272,7 +12344,7 @@
             <p:ph idx="1"/>
             <p:extLst>
               <p:ext uri="{D42A27DB-BD31-4B8C-83A1-F6EECF244321}">
-                <p14:modId xmlns:p14="http://schemas.microsoft.com/office/powerpoint/2010/main" val="15373140"/>
+                <p14:modId xmlns:p14="http://schemas.microsoft.com/office/powerpoint/2010/main" val="1908518808"/>
               </p:ext>
             </p:extLst>
           </p:nvPr>
@@ -12420,10 +12492,10 @@
                     <a:lstStyle/>
                     <a:p>
                       <a:r>
-                        <a:rPr lang="de-DE" dirty="0" smtClean="0"/>
+                        <a:rPr lang="de-DE" b="1" dirty="0" smtClean="0"/>
                         <a:t>0.0038s</a:t>
                       </a:r>
-                      <a:endParaRPr lang="de-DE" dirty="0"/>
+                      <a:endParaRPr lang="de-DE" b="1" dirty="0"/>
                     </a:p>
                   </a:txBody>
                   <a:tcPr/>
@@ -12490,10 +12562,10 @@
                     <a:lstStyle/>
                     <a:p>
                       <a:r>
-                        <a:rPr lang="de-DE" dirty="0" smtClean="0"/>
+                        <a:rPr lang="de-DE" b="1" dirty="0" smtClean="0"/>
                         <a:t>0.0456s</a:t>
                       </a:r>
-                      <a:endParaRPr lang="de-DE" dirty="0"/>
+                      <a:endParaRPr lang="de-DE" b="1" dirty="0"/>
                     </a:p>
                   </a:txBody>
                   <a:tcPr/>
@@ -12564,10 +12636,10 @@
                     <a:lstStyle/>
                     <a:p>
                       <a:r>
-                        <a:rPr lang="de-DE" dirty="0" smtClean="0"/>
+                        <a:rPr lang="de-DE" b="1" dirty="0" smtClean="0"/>
                         <a:t>0.0040s</a:t>
                       </a:r>
-                      <a:endParaRPr lang="de-DE" dirty="0"/>
+                      <a:endParaRPr lang="de-DE" b="1" dirty="0"/>
                     </a:p>
                   </a:txBody>
                   <a:tcPr/>
@@ -12647,7 +12719,7 @@
                         <a:defRPr/>
                       </a:pPr>
                       <a:r>
-                        <a:rPr lang="de-DE" dirty="0" smtClean="0"/>
+                        <a:rPr lang="de-DE" b="1" dirty="0" smtClean="0"/>
                         <a:t>1.2404s</a:t>
                       </a:r>
                     </a:p>
@@ -12716,10 +12788,10 @@
                     <a:lstStyle/>
                     <a:p>
                       <a:r>
-                        <a:rPr lang="de-DE" dirty="0" smtClean="0"/>
+                        <a:rPr lang="de-DE" b="1" dirty="0" smtClean="0"/>
                         <a:t>0.0758s</a:t>
                       </a:r>
-                      <a:endParaRPr lang="de-DE" dirty="0"/>
+                      <a:endParaRPr lang="de-DE" b="1" dirty="0"/>
                     </a:p>
                   </a:txBody>
                   <a:tcPr/>
@@ -12791,6 +12863,39 @@
               <a:t> =)</a:t>
             </a:r>
             <a:endParaRPr lang="de-DE" sz="2800" dirty="0"/>
+          </a:p>
+        </p:txBody>
+      </p:sp>
+      <p:sp>
+        <p:nvSpPr>
+          <p:cNvPr id="2" name="Textfeld 1"/>
+          <p:cNvSpPr txBox="1"/>
+          <p:nvPr/>
+        </p:nvSpPr>
+        <p:spPr>
+          <a:xfrm>
+            <a:off x="107504" y="3570109"/>
+            <a:ext cx="8856984" cy="646331"/>
+          </a:xfrm>
+          <a:prstGeom prst="rect">
+            <a:avLst/>
+          </a:prstGeom>
+          <a:noFill/>
+        </p:spPr>
+        <p:txBody>
+          <a:bodyPr wrap="square" rtlCol="0">
+            <a:spAutoFit/>
+          </a:bodyPr>
+          <a:lstStyle/>
+          <a:p>
+            <a:r>
+              <a:rPr lang="de-DE" dirty="0" err="1" smtClean="0"/>
+              <a:t>Specifcations</a:t>
+            </a:r>
+            <a:endParaRPr lang="de-DE" dirty="0" smtClean="0"/>
+          </a:p>
+          <a:p>
+            <a:endParaRPr lang="de-DE" dirty="0"/>
           </a:p>
         </p:txBody>
       </p:sp>
@@ -14102,7 +14207,7 @@
               <a:rPr lang="de-DE" dirty="0" err="1" smtClean="0"/>
               <a:t>complicated</a:t>
             </a:r>
-            <a:endParaRPr lang="de-DE" dirty="0"/>
+            <a:endParaRPr lang="de-DE" dirty="0" smtClean="0"/>
           </a:p>
           <a:p>
             <a:pPr lvl="1">
@@ -14111,12 +14216,24 @@
               <a:defRPr/>
             </a:pPr>
             <a:r>
-              <a:rPr lang="de-DE" dirty="0"/>
-              <a:t>Multiple </a:t>
-            </a:r>
-            <a:r>
-              <a:rPr lang="de-DE" dirty="0" err="1"/>
-              <a:t>endpoints</a:t>
+              <a:rPr lang="de-DE" dirty="0" err="1" smtClean="0"/>
+              <a:t>Diagram</a:t>
+            </a:r>
+            <a:r>
+              <a:rPr lang="de-DE" dirty="0" smtClean="0"/>
+              <a:t> – </a:t>
+            </a:r>
+            <a:r>
+              <a:rPr lang="de-DE" dirty="0" err="1" smtClean="0"/>
+              <a:t>page</a:t>
+            </a:r>
+            <a:r>
+              <a:rPr lang="de-DE" dirty="0" smtClean="0"/>
+              <a:t>, </a:t>
+            </a:r>
+            <a:r>
+              <a:rPr lang="de-DE" dirty="0" err="1" smtClean="0"/>
+              <a:t>endpoint</a:t>
             </a:r>
             <a:endParaRPr lang="de-DE" dirty="0"/>
           </a:p>
@@ -14128,10 +14245,26 @@
             </a:pPr>
             <a:r>
               <a:rPr lang="de-DE" dirty="0"/>
+              <a:t>Multiple </a:t>
+            </a:r>
+            <a:r>
+              <a:rPr lang="de-DE" dirty="0" err="1"/>
+              <a:t>endpoints</a:t>
+            </a:r>
+            <a:endParaRPr lang="de-DE" dirty="0"/>
+          </a:p>
+          <a:p>
+            <a:pPr lvl="1">
+              <a:buFont typeface="Wingdings" charset="0"/>
+              <a:buChar char="§"/>
+              <a:defRPr/>
+            </a:pPr>
+            <a:r>
+              <a:rPr lang="de-DE" dirty="0"/>
               <a:t>Not SEO </a:t>
             </a:r>
             <a:r>
-              <a:rPr lang="de-DE" dirty="0" err="1"/>
+              <a:rPr lang="de-DE" dirty="0" err="1" smtClean="0"/>
               <a:t>friendly</a:t>
             </a:r>
             <a:endParaRPr lang="de-DE" dirty="0"/>
@@ -14639,8 +14772,13 @@
             </a:r>
             <a:r>
               <a:rPr lang="de-DE" dirty="0" smtClean="0"/>
-              <a:t> URL</a:t>
-            </a:r>
+              <a:t> </a:t>
+            </a:r>
+            <a:r>
+              <a:rPr lang="de-DE" dirty="0" smtClean="0"/>
+              <a:t>URL</a:t>
+            </a:r>
+            <a:endParaRPr lang="de-DE" dirty="0" smtClean="0"/>
           </a:p>
           <a:p>
             <a:pPr lvl="1">
@@ -14678,15 +14816,35 @@
             </a:r>
             <a:r>
               <a:rPr lang="de-DE" dirty="0" err="1" smtClean="0"/>
+              <a:t>following</a:t>
+            </a:r>
+            <a:r>
+              <a:rPr lang="de-DE" dirty="0" smtClean="0"/>
+              <a:t> </a:t>
+            </a:r>
+            <a:r>
+              <a:rPr lang="de-DE" dirty="0" err="1" smtClean="0"/>
+              <a:t>to</a:t>
+            </a:r>
+            <a:r>
+              <a:rPr lang="de-DE" dirty="0" smtClean="0"/>
+              <a:t> a </a:t>
+            </a:r>
+            <a:r>
+              <a:rPr lang="de-DE" dirty="0" err="1" smtClean="0"/>
+              <a:t>new</a:t>
+            </a:r>
+            <a:r>
+              <a:rPr lang="de-DE" dirty="0" smtClean="0"/>
+              <a:t> </a:t>
+            </a:r>
+            <a:r>
+              <a:rPr lang="de-DE" dirty="0" err="1" smtClean="0"/>
               <a:t>page</a:t>
             </a:r>
             <a:r>
               <a:rPr lang="de-DE" dirty="0" smtClean="0"/>
-              <a:t> </a:t>
-            </a:r>
-            <a:r>
-              <a:rPr lang="de-DE" dirty="0" err="1" smtClean="0"/>
-              <a:t>changes</a:t>
+              <a:t>(!)</a:t>
             </a:r>
             <a:endParaRPr lang="de-DE" dirty="0"/>
           </a:p>
@@ -15201,12 +15359,17 @@
             </a:r>
             <a:r>
               <a:rPr lang="de-DE" dirty="0" err="1" smtClean="0"/>
-              <a:t>to</a:t>
-            </a:r>
-            <a:r>
-              <a:rPr lang="de-DE" dirty="0" smtClean="0"/>
-              <a:t> a HTTP-header</a:t>
-            </a:r>
+              <a:t>as</a:t>
+            </a:r>
+            <a:r>
+              <a:rPr lang="de-DE" dirty="0" smtClean="0"/>
+              <a:t> HTTP-X-PJAXR-Namespace HTTP-header </a:t>
+            </a:r>
+            <a:r>
+              <a:rPr lang="de-DE" dirty="0" err="1" smtClean="0"/>
+              <a:t>field</a:t>
+            </a:r>
+            <a:endParaRPr lang="de-DE" dirty="0" smtClean="0"/>
           </a:p>
           <a:p>
             <a:pPr lvl="2">

--- a/colloquium/colloquium.pptx
+++ b/colloquium/colloquium.pptx
@@ -3720,14 +3720,50 @@
               <a:defRPr/>
             </a:pPr>
             <a:r>
-              <a:rPr lang="de-DE" dirty="0" smtClean="0"/>
-              <a:t>Initial </a:t>
-            </a:r>
-            <a:r>
-              <a:rPr lang="de-DE" dirty="0" err="1" smtClean="0"/>
-              <a:t>requests</a:t>
-            </a:r>
-            <a:endParaRPr lang="de-DE" dirty="0" smtClean="0"/>
+              <a:rPr lang="de-DE" dirty="0" err="1" smtClean="0"/>
+              <a:t>Let‘s</a:t>
+            </a:r>
+            <a:r>
+              <a:rPr lang="de-DE" dirty="0" smtClean="0"/>
+              <a:t> </a:t>
+            </a:r>
+            <a:r>
+              <a:rPr lang="de-DE" dirty="0" err="1" smtClean="0"/>
+              <a:t>first</a:t>
+            </a:r>
+            <a:r>
+              <a:rPr lang="de-DE" dirty="0" smtClean="0"/>
+              <a:t> </a:t>
+            </a:r>
+            <a:r>
+              <a:rPr lang="de-DE" dirty="0" err="1" smtClean="0"/>
+              <a:t>talk</a:t>
+            </a:r>
+            <a:r>
+              <a:rPr lang="de-DE" dirty="0" smtClean="0"/>
+              <a:t> </a:t>
+            </a:r>
+            <a:r>
+              <a:rPr lang="de-DE" dirty="0" err="1" smtClean="0"/>
+              <a:t>about</a:t>
+            </a:r>
+            <a:r>
+              <a:rPr lang="de-DE" dirty="0" smtClean="0"/>
+              <a:t> </a:t>
+            </a:r>
+            <a:r>
+              <a:rPr lang="de-DE" dirty="0" err="1" smtClean="0"/>
+              <a:t>static</a:t>
+            </a:r>
+            <a:r>
+              <a:rPr lang="de-DE" baseline="0" dirty="0" smtClean="0"/>
+              <a:t> </a:t>
+            </a:r>
+            <a:r>
+              <a:rPr lang="de-DE" baseline="0" dirty="0" err="1" smtClean="0"/>
+              <a:t>pages</a:t>
+            </a:r>
+            <a:endParaRPr lang="de-DE" baseline="0" dirty="0" smtClean="0"/>
           </a:p>
           <a:p>
             <a:pPr marL="628650" lvl="1" indent="-171450">
@@ -3736,12 +3772,87 @@
               <a:defRPr/>
             </a:pPr>
             <a:r>
-              <a:rPr lang="de-DE" dirty="0" err="1" smtClean="0"/>
-              <a:t>Static</a:t>
-            </a:r>
-            <a:r>
-              <a:rPr lang="de-DE" dirty="0" smtClean="0"/>
-              <a:t>: ~1s</a:t>
+              <a:rPr lang="de-DE" baseline="0" dirty="0" err="1" smtClean="0"/>
+              <a:t>No</a:t>
+            </a:r>
+            <a:r>
+              <a:rPr lang="de-DE" baseline="0" dirty="0" smtClean="0"/>
+              <a:t> </a:t>
+            </a:r>
+            <a:r>
+              <a:rPr lang="de-DE" baseline="0" dirty="0" err="1" smtClean="0"/>
+              <a:t>big</a:t>
+            </a:r>
+            <a:r>
+              <a:rPr lang="de-DE" baseline="0" dirty="0" smtClean="0"/>
+              <a:t> </a:t>
+            </a:r>
+            <a:r>
+              <a:rPr lang="de-DE" baseline="0" dirty="0" err="1" smtClean="0"/>
+              <a:t>difference</a:t>
+            </a:r>
+            <a:r>
+              <a:rPr lang="de-DE" baseline="0" dirty="0" smtClean="0"/>
+              <a:t>, DB-Caching </a:t>
+            </a:r>
+            <a:r>
+              <a:rPr lang="de-DE" baseline="0" dirty="0" err="1" smtClean="0"/>
+              <a:t>does</a:t>
+            </a:r>
+            <a:r>
+              <a:rPr lang="de-DE" baseline="0" dirty="0" smtClean="0"/>
+              <a:t> not matter</a:t>
+            </a:r>
+          </a:p>
+          <a:p>
+            <a:pPr marL="171450" lvl="0" indent="-171450">
+              <a:buFontTx/>
+              <a:buChar char="-"/>
+              <a:defRPr/>
+            </a:pPr>
+            <a:r>
+              <a:rPr lang="de-DE" baseline="0" dirty="0" smtClean="0"/>
+              <a:t>/</a:t>
+            </a:r>
+            <a:r>
+              <a:rPr lang="de-DE" baseline="0" dirty="0" err="1" smtClean="0"/>
+              <a:t>imprint</a:t>
+            </a:r>
+            <a:r>
+              <a:rPr lang="de-DE" baseline="0" dirty="0" smtClean="0"/>
+              <a:t>/ </a:t>
+            </a:r>
+            <a:r>
+              <a:rPr lang="de-DE" baseline="0" dirty="0" err="1" smtClean="0"/>
+              <a:t>to</a:t>
+            </a:r>
+            <a:r>
+              <a:rPr lang="de-DE" baseline="0" dirty="0" smtClean="0"/>
+              <a:t> /tags/p/1/ </a:t>
+            </a:r>
+            <a:r>
+              <a:rPr lang="de-DE" baseline="0" dirty="0" err="1" smtClean="0"/>
+              <a:t>is</a:t>
+            </a:r>
+            <a:r>
+              <a:rPr lang="de-DE" baseline="0" dirty="0" smtClean="0"/>
+              <a:t> a </a:t>
+            </a:r>
+            <a:r>
+              <a:rPr lang="de-DE" baseline="0" dirty="0" err="1" smtClean="0"/>
+              <a:t>static-to-dynamic</a:t>
+            </a:r>
+            <a:r>
+              <a:rPr lang="de-DE" baseline="0" dirty="0" smtClean="0"/>
+              <a:t> </a:t>
+            </a:r>
+            <a:r>
+              <a:rPr lang="de-DE" baseline="0" dirty="0" err="1" smtClean="0"/>
+              <a:t>request</a:t>
+            </a:r>
+            <a:r>
+              <a:rPr lang="de-DE" baseline="0" dirty="0" smtClean="0"/>
+              <a:t>,</a:t>
             </a:r>
           </a:p>
           <a:p>
@@ -3751,32 +3862,162 @@
               <a:defRPr/>
             </a:pPr>
             <a:r>
-              <a:rPr lang="de-DE" dirty="0" smtClean="0"/>
-              <a:t>Dynamic: ~2s</a:t>
-            </a:r>
-          </a:p>
-          <a:p>
-            <a:pPr marL="171450" indent="-171450">
+              <a:rPr lang="de-DE" baseline="0" dirty="0" err="1" smtClean="0"/>
+              <a:t>No</a:t>
+            </a:r>
+            <a:r>
+              <a:rPr lang="de-DE" baseline="0" dirty="0" smtClean="0"/>
+              <a:t> </a:t>
+            </a:r>
+            <a:r>
+              <a:rPr lang="de-DE" baseline="0" dirty="0" err="1" smtClean="0"/>
+              <a:t>big</a:t>
+            </a:r>
+            <a:r>
+              <a:rPr lang="de-DE" baseline="0" dirty="0" smtClean="0"/>
+              <a:t> </a:t>
+            </a:r>
+            <a:r>
+              <a:rPr lang="de-DE" baseline="0" dirty="0" err="1" smtClean="0"/>
+              <a:t>difference</a:t>
+            </a:r>
+            <a:r>
+              <a:rPr lang="de-DE" baseline="0" dirty="0" smtClean="0"/>
+              <a:t> </a:t>
+            </a:r>
+            <a:r>
+              <a:rPr lang="de-DE" baseline="0" dirty="0" err="1" smtClean="0"/>
+              <a:t>again</a:t>
+            </a:r>
+            <a:endParaRPr lang="de-DE" baseline="0" dirty="0" smtClean="0"/>
+          </a:p>
+          <a:p>
+            <a:pPr marL="1085850" lvl="2" indent="-171450">
               <a:buFontTx/>
               <a:buChar char="-"/>
               <a:defRPr/>
             </a:pPr>
             <a:r>
-              <a:rPr lang="de-DE" dirty="0" err="1" smtClean="0"/>
-              <a:t>Lare</a:t>
-            </a:r>
-            <a:r>
-              <a:rPr lang="de-DE" dirty="0" smtClean="0"/>
-              <a:t> </a:t>
-            </a:r>
-            <a:r>
-              <a:rPr lang="de-DE" dirty="0" err="1" smtClean="0"/>
-              <a:t>requests</a:t>
-            </a:r>
-            <a:r>
-              <a:rPr lang="de-DE" dirty="0" smtClean="0"/>
-              <a:t>:</a:t>
-            </a:r>
+              <a:rPr lang="de-DE" baseline="0" dirty="0" err="1" smtClean="0"/>
+              <a:t>Again</a:t>
+            </a:r>
+            <a:r>
+              <a:rPr lang="de-DE" baseline="0" dirty="0" smtClean="0"/>
+              <a:t> </a:t>
+            </a:r>
+            <a:r>
+              <a:rPr lang="de-DE" baseline="0" dirty="0" err="1" smtClean="0"/>
+              <a:t>db</a:t>
+            </a:r>
+            <a:r>
+              <a:rPr lang="de-DE" baseline="0" dirty="0" smtClean="0"/>
+              <a:t> </a:t>
+            </a:r>
+            <a:r>
+              <a:rPr lang="de-DE" baseline="0" dirty="0" err="1" smtClean="0"/>
+              <a:t>caching</a:t>
+            </a:r>
+            <a:r>
+              <a:rPr lang="de-DE" baseline="0" dirty="0" smtClean="0"/>
+              <a:t> </a:t>
+            </a:r>
+            <a:r>
+              <a:rPr lang="de-DE" baseline="0" dirty="0" err="1" smtClean="0"/>
+              <a:t>does</a:t>
+            </a:r>
+            <a:r>
+              <a:rPr lang="de-DE" baseline="0" dirty="0" smtClean="0"/>
+              <a:t> not </a:t>
+            </a:r>
+            <a:r>
+              <a:rPr lang="de-DE" baseline="0" dirty="0" err="1" smtClean="0"/>
+              <a:t>influence</a:t>
+            </a:r>
+            <a:r>
+              <a:rPr lang="de-DE" baseline="0" dirty="0" smtClean="0"/>
+              <a:t> </a:t>
+            </a:r>
+            <a:r>
+              <a:rPr lang="de-DE" baseline="0" dirty="0" err="1" smtClean="0"/>
+              <a:t>the</a:t>
+            </a:r>
+            <a:r>
+              <a:rPr lang="de-DE" baseline="0" dirty="0" smtClean="0"/>
+              <a:t> </a:t>
+            </a:r>
+            <a:r>
+              <a:rPr lang="de-DE" baseline="0" dirty="0" err="1" smtClean="0"/>
+              <a:t>results</a:t>
+            </a:r>
+            <a:endParaRPr lang="de-DE" baseline="0" dirty="0" smtClean="0"/>
+          </a:p>
+          <a:p>
+            <a:pPr marL="171450" lvl="0" indent="-171450">
+              <a:buFontTx/>
+              <a:buChar char="-"/>
+              <a:defRPr/>
+            </a:pPr>
+            <a:r>
+              <a:rPr lang="de-DE" baseline="0" dirty="0" err="1" smtClean="0"/>
+              <a:t>Related</a:t>
+            </a:r>
+            <a:r>
+              <a:rPr lang="de-DE" baseline="0" dirty="0" smtClean="0"/>
+              <a:t> </a:t>
+            </a:r>
+            <a:r>
+              <a:rPr lang="de-DE" baseline="0" dirty="0" err="1" smtClean="0"/>
+              <a:t>dynamic</a:t>
+            </a:r>
+            <a:r>
+              <a:rPr lang="de-DE" baseline="0" dirty="0" smtClean="0"/>
+              <a:t> </a:t>
+            </a:r>
+            <a:r>
+              <a:rPr lang="de-DE" baseline="0" dirty="0" err="1" smtClean="0"/>
+              <a:t>pages</a:t>
+            </a:r>
+            <a:r>
+              <a:rPr lang="de-DE" baseline="0" dirty="0" smtClean="0"/>
+              <a:t> </a:t>
+            </a:r>
+            <a:r>
+              <a:rPr lang="de-DE" baseline="0" dirty="0" err="1" smtClean="0"/>
+              <a:t>show</a:t>
+            </a:r>
+            <a:r>
+              <a:rPr lang="de-DE" baseline="0" dirty="0" smtClean="0"/>
+              <a:t> </a:t>
+            </a:r>
+            <a:r>
+              <a:rPr lang="de-DE" baseline="0" dirty="0" err="1" smtClean="0"/>
+              <a:t>the</a:t>
+            </a:r>
+            <a:r>
+              <a:rPr lang="de-DE" baseline="0" dirty="0" smtClean="0"/>
+              <a:t> </a:t>
+            </a:r>
+            <a:r>
+              <a:rPr lang="de-DE" baseline="0" dirty="0" err="1" smtClean="0"/>
+              <a:t>effect</a:t>
+            </a:r>
+            <a:r>
+              <a:rPr lang="de-DE" baseline="0" dirty="0" smtClean="0"/>
+              <a:t> </a:t>
+            </a:r>
+            <a:r>
+              <a:rPr lang="de-DE" baseline="0" dirty="0" err="1" smtClean="0"/>
+              <a:t>of</a:t>
+            </a:r>
+            <a:r>
+              <a:rPr lang="de-DE" baseline="0" dirty="0" smtClean="0"/>
+              <a:t> </a:t>
+            </a:r>
+            <a:r>
+              <a:rPr lang="de-DE" baseline="0" dirty="0" err="1" smtClean="0"/>
+              <a:t>lare</a:t>
+            </a:r>
+            <a:endParaRPr lang="de-DE" baseline="0" dirty="0" smtClean="0"/>
           </a:p>
           <a:p>
             <a:pPr marL="628650" lvl="1" indent="-171450">
@@ -3785,84 +4026,50 @@
               <a:defRPr/>
             </a:pPr>
             <a:r>
-              <a:rPr lang="de-DE" dirty="0" err="1" smtClean="0"/>
-              <a:t>Static</a:t>
-            </a:r>
-            <a:r>
-              <a:rPr lang="de-DE" dirty="0" smtClean="0"/>
-              <a:t>: 0.003s</a:t>
-            </a:r>
-          </a:p>
-          <a:p>
-            <a:pPr marL="628650" lvl="1" indent="-171450">
-              <a:buFontTx/>
-              <a:buChar char="-"/>
-              <a:defRPr/>
-            </a:pPr>
-            <a:r>
-              <a:rPr lang="de-DE" dirty="0" smtClean="0"/>
-              <a:t>Dynamic: 0.9s</a:t>
-            </a:r>
-          </a:p>
-          <a:p>
-            <a:pPr marL="628650" lvl="1" indent="-171450">
-              <a:buFontTx/>
-              <a:buChar char="-"/>
-              <a:defRPr/>
-            </a:pPr>
+              <a:rPr lang="de-DE" baseline="0" dirty="0" err="1" smtClean="0"/>
+              <a:t>Especially</a:t>
+            </a:r>
+            <a:r>
+              <a:rPr lang="de-DE" baseline="0" dirty="0" smtClean="0"/>
+              <a:t> </a:t>
+            </a:r>
+            <a:r>
+              <a:rPr lang="de-DE" baseline="0" dirty="0" err="1" smtClean="0"/>
+              <a:t>when</a:t>
+            </a:r>
+            <a:r>
+              <a:rPr lang="de-DE" baseline="0" dirty="0" smtClean="0"/>
+              <a:t> </a:t>
+            </a:r>
+            <a:r>
+              <a:rPr lang="de-DE" baseline="0" dirty="0" err="1" smtClean="0"/>
+              <a:t>database</a:t>
+            </a:r>
+            <a:r>
+              <a:rPr lang="de-DE" baseline="0" dirty="0" smtClean="0"/>
+              <a:t> </a:t>
+            </a:r>
+            <a:r>
+              <a:rPr lang="de-DE" baseline="0" dirty="0" err="1" smtClean="0"/>
+              <a:t>caching</a:t>
+            </a:r>
+            <a:r>
+              <a:rPr lang="de-DE" baseline="0" dirty="0" smtClean="0"/>
+              <a:t> </a:t>
+            </a:r>
+            <a:r>
+              <a:rPr lang="de-DE" baseline="0" dirty="0" err="1" smtClean="0"/>
+              <a:t>is</a:t>
+            </a:r>
+            <a:r>
+              <a:rPr lang="de-DE" baseline="0" dirty="0" smtClean="0"/>
+              <a:t> </a:t>
+            </a:r>
+            <a:r>
+              <a:rPr lang="de-DE" baseline="0" dirty="0" err="1" smtClean="0"/>
+              <a:t>disabled</a:t>
+            </a:r>
             <a:endParaRPr lang="de-DE" dirty="0" smtClean="0"/>
-          </a:p>
-          <a:p>
-            <a:pPr marL="171450" indent="-171450">
-              <a:buFontTx/>
-              <a:buChar char="-"/>
-              <a:defRPr/>
-            </a:pPr>
-            <a:r>
-              <a:rPr lang="de-DE" dirty="0" err="1" smtClean="0"/>
-              <a:t>Lare</a:t>
-            </a:r>
-            <a:r>
-              <a:rPr lang="de-DE" dirty="0" smtClean="0"/>
-              <a:t> </a:t>
-            </a:r>
-            <a:r>
-              <a:rPr lang="de-DE" dirty="0" err="1" smtClean="0"/>
-              <a:t>requests</a:t>
-            </a:r>
-            <a:r>
-              <a:rPr lang="de-DE" dirty="0" smtClean="0"/>
-              <a:t>:</a:t>
-            </a:r>
-          </a:p>
-          <a:p>
-            <a:pPr marL="628650" lvl="1" indent="-171450">
-              <a:buFontTx/>
-              <a:buChar char="-"/>
-              <a:defRPr/>
-            </a:pPr>
-            <a:r>
-              <a:rPr lang="de-DE" dirty="0" err="1" smtClean="0"/>
-              <a:t>Static</a:t>
-            </a:r>
-            <a:r>
-              <a:rPr lang="de-DE" dirty="0" smtClean="0"/>
-              <a:t>: 0.003s</a:t>
-            </a:r>
-          </a:p>
-          <a:p>
-            <a:pPr marL="628650" lvl="1" indent="-171450">
-              <a:buFontTx/>
-              <a:buChar char="-"/>
-              <a:defRPr/>
-            </a:pPr>
-            <a:r>
-              <a:rPr lang="de-DE" dirty="0" smtClean="0"/>
-              <a:t>Dynamic: 0.9s</a:t>
-            </a:r>
-          </a:p>
-          <a:p>
-            <a:endParaRPr lang="de-DE" dirty="0"/>
           </a:p>
         </p:txBody>
       </p:sp>
@@ -3947,6 +4154,285 @@
           <a:bodyPr/>
           <a:lstStyle/>
           <a:p>
+            <a:pPr marL="171450" lvl="0" indent="-171450">
+              <a:buFontTx/>
+              <a:buChar char="-"/>
+              <a:defRPr/>
+            </a:pPr>
+            <a:r>
+              <a:rPr lang="de-DE" dirty="0" err="1" smtClean="0"/>
+              <a:t>When</a:t>
+            </a:r>
+            <a:r>
+              <a:rPr lang="de-DE" dirty="0" smtClean="0"/>
+              <a:t> </a:t>
+            </a:r>
+            <a:r>
+              <a:rPr lang="de-DE" dirty="0" err="1" smtClean="0"/>
+              <a:t>it</a:t>
+            </a:r>
+            <a:r>
+              <a:rPr lang="de-DE" dirty="0" smtClean="0"/>
+              <a:t> </a:t>
+            </a:r>
+            <a:r>
+              <a:rPr lang="de-DE" dirty="0" err="1" smtClean="0"/>
+              <a:t>comes</a:t>
+            </a:r>
+            <a:r>
+              <a:rPr lang="de-DE" dirty="0" smtClean="0"/>
+              <a:t> </a:t>
+            </a:r>
+            <a:r>
+              <a:rPr lang="de-DE" dirty="0" err="1" smtClean="0"/>
+              <a:t>to</a:t>
+            </a:r>
+            <a:r>
+              <a:rPr lang="de-DE" dirty="0" smtClean="0"/>
+              <a:t> </a:t>
+            </a:r>
+            <a:r>
+              <a:rPr lang="de-DE" dirty="0" err="1" smtClean="0"/>
+              <a:t>full</a:t>
+            </a:r>
+            <a:r>
+              <a:rPr lang="de-DE" baseline="0" dirty="0" smtClean="0"/>
+              <a:t> web </a:t>
+            </a:r>
+            <a:r>
+              <a:rPr lang="de-DE" baseline="0" dirty="0" err="1" smtClean="0"/>
+              <a:t>page</a:t>
+            </a:r>
+            <a:r>
+              <a:rPr lang="de-DE" baseline="0" dirty="0" smtClean="0"/>
+              <a:t> </a:t>
+            </a:r>
+            <a:r>
+              <a:rPr lang="de-DE" baseline="0" dirty="0" err="1" smtClean="0"/>
+              <a:t>retrievals</a:t>
+            </a:r>
+            <a:r>
+              <a:rPr lang="de-DE" baseline="0" dirty="0" smtClean="0"/>
+              <a:t> </a:t>
+            </a:r>
+            <a:r>
+              <a:rPr lang="de-DE" baseline="0" dirty="0" err="1" smtClean="0"/>
+              <a:t>the</a:t>
+            </a:r>
+            <a:r>
+              <a:rPr lang="de-DE" baseline="0" dirty="0" smtClean="0"/>
+              <a:t> </a:t>
+            </a:r>
+            <a:r>
+              <a:rPr lang="de-DE" baseline="0" dirty="0" err="1" smtClean="0"/>
+              <a:t>effect</a:t>
+            </a:r>
+            <a:r>
+              <a:rPr lang="de-DE" baseline="0" dirty="0" smtClean="0"/>
+              <a:t> </a:t>
+            </a:r>
+            <a:r>
+              <a:rPr lang="de-DE" baseline="0" dirty="0" err="1" smtClean="0"/>
+              <a:t>changes</a:t>
+            </a:r>
+            <a:r>
+              <a:rPr lang="de-DE" baseline="0" dirty="0" smtClean="0"/>
+              <a:t> a </a:t>
+            </a:r>
+            <a:r>
+              <a:rPr lang="de-DE" baseline="0" dirty="0" err="1" smtClean="0"/>
+              <a:t>bit</a:t>
+            </a:r>
+            <a:endParaRPr lang="de-DE" baseline="0" dirty="0" smtClean="0"/>
+          </a:p>
+          <a:p>
+            <a:pPr marL="628650" lvl="1" indent="-171450">
+              <a:buFontTx/>
+              <a:buChar char="-"/>
+              <a:defRPr/>
+            </a:pPr>
+            <a:r>
+              <a:rPr lang="de-DE" baseline="0" dirty="0" err="1" smtClean="0"/>
+              <a:t>Static</a:t>
+            </a:r>
+            <a:r>
+              <a:rPr lang="de-DE" baseline="0" dirty="0" smtClean="0"/>
+              <a:t> </a:t>
+            </a:r>
+            <a:r>
+              <a:rPr lang="de-DE" baseline="0" dirty="0" err="1" smtClean="0"/>
+              <a:t>pages</a:t>
+            </a:r>
+            <a:r>
+              <a:rPr lang="de-DE" baseline="0" dirty="0" smtClean="0"/>
+              <a:t> </a:t>
+            </a:r>
+            <a:r>
+              <a:rPr lang="de-DE" baseline="0" dirty="0" err="1" smtClean="0"/>
+              <a:t>have</a:t>
+            </a:r>
+            <a:r>
+              <a:rPr lang="de-DE" baseline="0" dirty="0" smtClean="0"/>
+              <a:t> </a:t>
+            </a:r>
+            <a:r>
+              <a:rPr lang="de-DE" baseline="0" dirty="0" err="1" smtClean="0"/>
+              <a:t>something</a:t>
+            </a:r>
+            <a:r>
+              <a:rPr lang="de-DE" baseline="0" dirty="0" smtClean="0"/>
+              <a:t> </a:t>
+            </a:r>
+            <a:r>
+              <a:rPr lang="de-DE" baseline="0" dirty="0" err="1" smtClean="0"/>
+              <a:t>around</a:t>
+            </a:r>
+            <a:r>
+              <a:rPr lang="de-DE" baseline="0" dirty="0" smtClean="0"/>
+              <a:t> 40% </a:t>
+            </a:r>
+            <a:r>
+              <a:rPr lang="de-DE" baseline="0" dirty="0" err="1" smtClean="0"/>
+              <a:t>less</a:t>
+            </a:r>
+            <a:r>
+              <a:rPr lang="de-DE" baseline="0" dirty="0" smtClean="0"/>
+              <a:t> </a:t>
+            </a:r>
+            <a:r>
+              <a:rPr lang="de-DE" baseline="0" dirty="0" err="1" smtClean="0"/>
+              <a:t>load</a:t>
+            </a:r>
+            <a:r>
+              <a:rPr lang="de-DE" baseline="0" dirty="0" smtClean="0"/>
+              <a:t> time</a:t>
+            </a:r>
+          </a:p>
+          <a:p>
+            <a:pPr marL="628650" lvl="1" indent="-171450">
+              <a:buFontTx/>
+              <a:buChar char="-"/>
+              <a:defRPr/>
+            </a:pPr>
+            <a:r>
+              <a:rPr lang="de-DE" baseline="0" dirty="0" err="1" smtClean="0"/>
+              <a:t>Related</a:t>
+            </a:r>
+            <a:r>
+              <a:rPr lang="de-DE" baseline="0" dirty="0" smtClean="0"/>
+              <a:t> </a:t>
+            </a:r>
+            <a:r>
+              <a:rPr lang="de-DE" dirty="0" err="1" smtClean="0"/>
+              <a:t>dynamic</a:t>
+            </a:r>
+            <a:r>
+              <a:rPr lang="de-DE" baseline="0" dirty="0" smtClean="0"/>
+              <a:t> </a:t>
+            </a:r>
+            <a:r>
+              <a:rPr lang="de-DE" baseline="0" dirty="0" err="1" smtClean="0"/>
+              <a:t>pages</a:t>
+            </a:r>
+            <a:r>
+              <a:rPr lang="de-DE" baseline="0" dirty="0" smtClean="0"/>
+              <a:t> </a:t>
+            </a:r>
+            <a:r>
+              <a:rPr lang="de-DE" baseline="0" dirty="0" err="1" smtClean="0"/>
+              <a:t>again</a:t>
+            </a:r>
+            <a:r>
+              <a:rPr lang="de-DE" baseline="0" dirty="0" smtClean="0"/>
+              <a:t> </a:t>
+            </a:r>
+            <a:r>
+              <a:rPr lang="de-DE" baseline="0" dirty="0" err="1" smtClean="0"/>
+              <a:t>have</a:t>
+            </a:r>
+            <a:r>
+              <a:rPr lang="de-DE" baseline="0" dirty="0" smtClean="0"/>
+              <a:t> a </a:t>
+            </a:r>
+            <a:r>
+              <a:rPr lang="de-DE" baseline="0" dirty="0" err="1" smtClean="0"/>
+              <a:t>really</a:t>
+            </a:r>
+            <a:r>
+              <a:rPr lang="de-DE" baseline="0" dirty="0" smtClean="0"/>
+              <a:t> </a:t>
+            </a:r>
+            <a:r>
+              <a:rPr lang="de-DE" baseline="0" dirty="0" err="1" smtClean="0"/>
+              <a:t>good</a:t>
+            </a:r>
+            <a:r>
+              <a:rPr lang="de-DE" baseline="0" dirty="0" smtClean="0"/>
+              <a:t> </a:t>
+            </a:r>
+            <a:r>
+              <a:rPr lang="de-DE" baseline="0" dirty="0" err="1" smtClean="0"/>
+              <a:t>performance</a:t>
+            </a:r>
+            <a:endParaRPr lang="de-DE" baseline="0" dirty="0" smtClean="0"/>
+          </a:p>
+          <a:p>
+            <a:pPr marL="1085850" lvl="2" indent="-171450">
+              <a:buFontTx/>
+              <a:buChar char="-"/>
+              <a:defRPr/>
+            </a:pPr>
+            <a:r>
+              <a:rPr lang="de-DE" baseline="0" dirty="0" err="1" smtClean="0"/>
+              <a:t>Only</a:t>
+            </a:r>
+            <a:r>
+              <a:rPr lang="de-DE" baseline="0" dirty="0" smtClean="0"/>
+              <a:t> </a:t>
+            </a:r>
+            <a:r>
+              <a:rPr lang="de-DE" baseline="0" dirty="0" err="1" smtClean="0"/>
+              <a:t>about</a:t>
+            </a:r>
+            <a:r>
+              <a:rPr lang="de-DE" baseline="0" dirty="0" smtClean="0"/>
+              <a:t> 5% </a:t>
+            </a:r>
+            <a:r>
+              <a:rPr lang="de-DE" baseline="0" dirty="0" err="1" smtClean="0"/>
+              <a:t>of</a:t>
+            </a:r>
+            <a:r>
+              <a:rPr lang="de-DE" baseline="0" dirty="0" smtClean="0"/>
+              <a:t> </a:t>
+            </a:r>
+            <a:r>
+              <a:rPr lang="de-DE" baseline="0" dirty="0" err="1" smtClean="0"/>
+              <a:t>the</a:t>
+            </a:r>
+            <a:r>
+              <a:rPr lang="de-DE" baseline="0" dirty="0" smtClean="0"/>
+              <a:t> </a:t>
+            </a:r>
+            <a:r>
+              <a:rPr lang="de-DE" baseline="0" dirty="0" err="1" smtClean="0"/>
+              <a:t>load</a:t>
+            </a:r>
+            <a:r>
+              <a:rPr lang="de-DE" baseline="0" dirty="0" smtClean="0"/>
+              <a:t> time</a:t>
+            </a:r>
+            <a:endParaRPr lang="de-DE" dirty="0" smtClean="0"/>
+          </a:p>
+          <a:p>
+            <a:pPr marL="171450" lvl="0" indent="-171450">
+              <a:buFontTx/>
+              <a:buChar char="-"/>
+              <a:defRPr/>
+            </a:pPr>
+            <a:endParaRPr lang="de-DE" dirty="0" smtClean="0"/>
+          </a:p>
+          <a:p>
             <a:pPr marL="171450" indent="-171450">
               <a:buFontTx/>
               <a:buChar char="-"/>
@@ -3954,13 +4440,77 @@
             </a:pPr>
             <a:r>
               <a:rPr lang="de-DE" dirty="0" smtClean="0"/>
-              <a:t>Initial </a:t>
-            </a:r>
-            <a:r>
-              <a:rPr lang="de-DE" dirty="0" err="1" smtClean="0"/>
+              <a:t>Overall </a:t>
+            </a:r>
+            <a:r>
+              <a:rPr lang="de-DE" dirty="0" err="1" smtClean="0"/>
+              <a:t>you</a:t>
+            </a:r>
+            <a:r>
+              <a:rPr lang="de-DE" dirty="0" smtClean="0"/>
+              <a:t> </a:t>
+            </a:r>
+            <a:r>
+              <a:rPr lang="de-DE" dirty="0" err="1" smtClean="0"/>
+              <a:t>can</a:t>
+            </a:r>
+            <a:r>
+              <a:rPr lang="de-DE" dirty="0" smtClean="0"/>
+              <a:t> </a:t>
+            </a:r>
+            <a:r>
+              <a:rPr lang="de-DE" dirty="0" err="1" smtClean="0"/>
+              <a:t>see</a:t>
+            </a:r>
+            <a:r>
+              <a:rPr lang="de-DE" dirty="0" smtClean="0"/>
+              <a:t> </a:t>
+            </a:r>
+            <a:r>
+              <a:rPr lang="de-DE" dirty="0" err="1" smtClean="0"/>
+              <a:t>AnuglarJS</a:t>
+            </a:r>
+            <a:r>
+              <a:rPr lang="de-DE" dirty="0" smtClean="0"/>
+              <a:t> </a:t>
+            </a:r>
+            <a:r>
+              <a:rPr lang="de-DE" dirty="0" err="1" smtClean="0"/>
+              <a:t>always</a:t>
+            </a:r>
+            <a:r>
+              <a:rPr lang="de-DE" baseline="0" dirty="0" smtClean="0"/>
+              <a:t> </a:t>
+            </a:r>
+            <a:r>
+              <a:rPr lang="de-DE" baseline="0" dirty="0" err="1" smtClean="0"/>
+              <a:t>takes</a:t>
+            </a:r>
+            <a:r>
+              <a:rPr lang="de-DE" baseline="0" dirty="0" smtClean="0"/>
+              <a:t> a </a:t>
+            </a:r>
+            <a:r>
+              <a:rPr lang="de-DE" baseline="0" dirty="0" err="1" smtClean="0"/>
+              <a:t>bit</a:t>
+            </a:r>
+            <a:r>
+              <a:rPr lang="de-DE" baseline="0" dirty="0" smtClean="0"/>
+              <a:t> </a:t>
+            </a:r>
+            <a:r>
+              <a:rPr lang="de-DE" baseline="0" dirty="0" err="1" smtClean="0"/>
+              <a:t>longer</a:t>
+            </a:r>
+            <a:r>
+              <a:rPr lang="de-DE" baseline="0" dirty="0" smtClean="0"/>
+              <a:t> on initial </a:t>
+            </a:r>
+            <a:r>
+              <a:rPr lang="de-DE" baseline="0" dirty="0" err="1" smtClean="0"/>
               <a:t>requests</a:t>
             </a:r>
-            <a:endParaRPr lang="de-DE" dirty="0" smtClean="0"/>
+            <a:endParaRPr lang="de-DE" baseline="0" dirty="0" smtClean="0"/>
           </a:p>
           <a:p>
             <a:pPr marL="628650" lvl="1" indent="-171450">
@@ -3969,12 +4519,216 @@
               <a:defRPr/>
             </a:pPr>
             <a:r>
-              <a:rPr lang="de-DE" dirty="0" err="1" smtClean="0"/>
-              <a:t>Static</a:t>
-            </a:r>
-            <a:r>
-              <a:rPr lang="de-DE" dirty="0" smtClean="0"/>
-              <a:t>: ~1s</a:t>
+              <a:rPr lang="de-DE" baseline="0" dirty="0" smtClean="0"/>
+              <a:t>This </a:t>
+            </a:r>
+            <a:r>
+              <a:rPr lang="de-DE" baseline="0" dirty="0" err="1" smtClean="0"/>
+              <a:t>can</a:t>
+            </a:r>
+            <a:r>
+              <a:rPr lang="de-DE" baseline="0" dirty="0" smtClean="0"/>
+              <a:t> </a:t>
+            </a:r>
+            <a:r>
+              <a:rPr lang="de-DE" baseline="0" dirty="0" err="1" smtClean="0"/>
+              <a:t>be</a:t>
+            </a:r>
+            <a:r>
+              <a:rPr lang="de-DE" baseline="0" dirty="0" smtClean="0"/>
+              <a:t> </a:t>
+            </a:r>
+            <a:r>
+              <a:rPr lang="de-DE" baseline="0" dirty="0" err="1" smtClean="0"/>
+              <a:t>explained</a:t>
+            </a:r>
+            <a:r>
+              <a:rPr lang="de-DE" baseline="0" dirty="0" smtClean="0"/>
+              <a:t> </a:t>
+            </a:r>
+            <a:r>
+              <a:rPr lang="de-DE" baseline="0" dirty="0" err="1" smtClean="0"/>
+              <a:t>by</a:t>
+            </a:r>
+            <a:endParaRPr lang="de-DE" baseline="0" dirty="0" smtClean="0"/>
+          </a:p>
+          <a:p>
+            <a:pPr marL="1085850" lvl="2" indent="-171450">
+              <a:buFontTx/>
+              <a:buChar char="-"/>
+              <a:defRPr/>
+            </a:pPr>
+            <a:r>
+              <a:rPr lang="de-DE" baseline="0" dirty="0" smtClean="0"/>
+              <a:t>Data </a:t>
+            </a:r>
+            <a:r>
+              <a:rPr lang="de-DE" baseline="0" dirty="0" err="1" smtClean="0"/>
+              <a:t>that</a:t>
+            </a:r>
+            <a:r>
+              <a:rPr lang="de-DE" baseline="0" dirty="0" smtClean="0"/>
+              <a:t> </a:t>
+            </a:r>
+            <a:r>
+              <a:rPr lang="de-DE" baseline="0" dirty="0" err="1" smtClean="0"/>
+              <a:t>is</a:t>
+            </a:r>
+            <a:r>
+              <a:rPr lang="de-DE" baseline="0" dirty="0" smtClean="0"/>
+              <a:t> </a:t>
+            </a:r>
+            <a:r>
+              <a:rPr lang="de-DE" baseline="0" dirty="0" err="1" smtClean="0"/>
+              <a:t>retrieved</a:t>
+            </a:r>
+            <a:r>
+              <a:rPr lang="de-DE" baseline="0" dirty="0" smtClean="0"/>
+              <a:t> after </a:t>
+            </a:r>
+            <a:r>
+              <a:rPr lang="de-DE" baseline="0" dirty="0" err="1" smtClean="0"/>
+              <a:t>the</a:t>
+            </a:r>
+            <a:r>
+              <a:rPr lang="de-DE" baseline="0" dirty="0" smtClean="0"/>
+              <a:t> AJAX </a:t>
+            </a:r>
+            <a:r>
+              <a:rPr lang="de-DE" baseline="0" dirty="0" err="1" smtClean="0"/>
+              <a:t>engine</a:t>
+            </a:r>
+            <a:r>
+              <a:rPr lang="de-DE" baseline="0" dirty="0" smtClean="0"/>
+              <a:t> </a:t>
+            </a:r>
+            <a:r>
+              <a:rPr lang="de-DE" baseline="0" dirty="0" err="1" smtClean="0"/>
+              <a:t>is</a:t>
+            </a:r>
+            <a:r>
+              <a:rPr lang="de-DE" baseline="0" dirty="0" smtClean="0"/>
+              <a:t> </a:t>
+            </a:r>
+            <a:r>
+              <a:rPr lang="de-DE" baseline="0" dirty="0" err="1" smtClean="0"/>
+              <a:t>loaded</a:t>
+            </a:r>
+            <a:r>
+              <a:rPr lang="de-DE" baseline="0" dirty="0" smtClean="0"/>
+              <a:t> </a:t>
+            </a:r>
+            <a:r>
+              <a:rPr lang="de-DE" baseline="0" dirty="0" err="1" smtClean="0"/>
+              <a:t>by</a:t>
+            </a:r>
+            <a:r>
+              <a:rPr lang="de-DE" baseline="0" dirty="0" smtClean="0"/>
+              <a:t> </a:t>
+            </a:r>
+            <a:r>
+              <a:rPr lang="de-DE" baseline="0" dirty="0" err="1" smtClean="0"/>
+              <a:t>the</a:t>
+            </a:r>
+            <a:r>
+              <a:rPr lang="de-DE" baseline="0" dirty="0" smtClean="0"/>
+              <a:t> </a:t>
+            </a:r>
+            <a:r>
+              <a:rPr lang="de-DE" baseline="0" dirty="0" err="1" smtClean="0"/>
+              <a:t>engine</a:t>
+            </a:r>
+            <a:endParaRPr lang="de-DE" baseline="0" dirty="0" smtClean="0"/>
+          </a:p>
+          <a:p>
+            <a:pPr marL="1085850" lvl="2" indent="-171450">
+              <a:buFontTx/>
+              <a:buChar char="-"/>
+              <a:defRPr/>
+            </a:pPr>
+            <a:r>
+              <a:rPr lang="de-DE" baseline="0" dirty="0" smtClean="0"/>
+              <a:t>Frontend </a:t>
+            </a:r>
+            <a:r>
+              <a:rPr lang="de-DE" baseline="0" dirty="0" err="1" smtClean="0"/>
+              <a:t>templates</a:t>
+            </a:r>
+            <a:r>
+              <a:rPr lang="de-DE" baseline="0" dirty="0" smtClean="0"/>
+              <a:t> </a:t>
+            </a:r>
+            <a:r>
+              <a:rPr lang="de-DE" baseline="0" dirty="0" err="1" smtClean="0"/>
+              <a:t>to</a:t>
+            </a:r>
+            <a:r>
+              <a:rPr lang="de-DE" baseline="0" dirty="0" smtClean="0"/>
+              <a:t> </a:t>
+            </a:r>
+            <a:r>
+              <a:rPr lang="de-DE" baseline="0" dirty="0" err="1" smtClean="0"/>
+              <a:t>be</a:t>
+            </a:r>
+            <a:r>
+              <a:rPr lang="de-DE" baseline="0" dirty="0" smtClean="0"/>
+              <a:t> </a:t>
+            </a:r>
+            <a:r>
+              <a:rPr lang="de-DE" baseline="0" dirty="0" err="1" smtClean="0"/>
+              <a:t>loaded</a:t>
+            </a:r>
+            <a:endParaRPr lang="de-DE" baseline="0" dirty="0" smtClean="0"/>
+          </a:p>
+          <a:p>
+            <a:pPr marL="171450" lvl="0" indent="-171450">
+              <a:buFontTx/>
+              <a:buChar char="-"/>
+              <a:defRPr/>
+            </a:pPr>
+            <a:r>
+              <a:rPr lang="de-DE" dirty="0" smtClean="0"/>
+              <a:t>On </a:t>
+            </a:r>
+            <a:r>
+              <a:rPr lang="de-DE" dirty="0" err="1" smtClean="0"/>
+              <a:t>further</a:t>
+            </a:r>
+            <a:r>
+              <a:rPr lang="de-DE" dirty="0" smtClean="0"/>
+              <a:t> </a:t>
+            </a:r>
+            <a:r>
+              <a:rPr lang="de-DE" dirty="0" err="1" smtClean="0"/>
+              <a:t>requests</a:t>
+            </a:r>
+            <a:r>
+              <a:rPr lang="de-DE" baseline="0" dirty="0" smtClean="0"/>
+              <a:t> ist </a:t>
+            </a:r>
+            <a:r>
+              <a:rPr lang="de-DE" baseline="0" dirty="0" err="1" smtClean="0"/>
+              <a:t>always</a:t>
+            </a:r>
+            <a:r>
+              <a:rPr lang="de-DE" baseline="0" dirty="0" smtClean="0"/>
+              <a:t> a </a:t>
+            </a:r>
+            <a:r>
+              <a:rPr lang="de-DE" baseline="0" dirty="0" err="1" smtClean="0"/>
+              <a:t>bit</a:t>
+            </a:r>
+            <a:r>
+              <a:rPr lang="de-DE" baseline="0" dirty="0" smtClean="0"/>
+              <a:t> </a:t>
+            </a:r>
+            <a:r>
+              <a:rPr lang="de-DE" baseline="0" dirty="0" err="1" smtClean="0"/>
+              <a:t>faster</a:t>
+            </a:r>
+            <a:r>
+              <a:rPr lang="de-DE" baseline="0" dirty="0" smtClean="0"/>
+              <a:t>,</a:t>
             </a:r>
           </a:p>
           <a:p>
@@ -3984,117 +4738,81 @@
               <a:defRPr/>
             </a:pPr>
             <a:r>
-              <a:rPr lang="de-DE" dirty="0" smtClean="0"/>
-              <a:t>Dynamic: ~2s</a:t>
-            </a:r>
-          </a:p>
-          <a:p>
-            <a:pPr marL="171450" indent="-171450">
-              <a:buFontTx/>
-              <a:buChar char="-"/>
-              <a:defRPr/>
-            </a:pPr>
-            <a:r>
-              <a:rPr lang="de-DE" dirty="0" err="1" smtClean="0"/>
-              <a:t>Lare</a:t>
-            </a:r>
-            <a:r>
-              <a:rPr lang="de-DE" dirty="0" smtClean="0"/>
-              <a:t> </a:t>
-            </a:r>
-            <a:r>
-              <a:rPr lang="de-DE" dirty="0" err="1" smtClean="0"/>
-              <a:t>requests</a:t>
-            </a:r>
-            <a:r>
-              <a:rPr lang="de-DE" dirty="0" smtClean="0"/>
-              <a:t>:</a:t>
-            </a:r>
-          </a:p>
-          <a:p>
-            <a:pPr marL="628650" lvl="1" indent="-171450">
-              <a:buFontTx/>
-              <a:buChar char="-"/>
-              <a:defRPr/>
-            </a:pPr>
-            <a:r>
-              <a:rPr lang="de-DE" dirty="0" err="1" smtClean="0"/>
-              <a:t>Static</a:t>
-            </a:r>
-            <a:r>
-              <a:rPr lang="de-DE" dirty="0" smtClean="0"/>
-              <a:t>: 0.003s</a:t>
-            </a:r>
-          </a:p>
-          <a:p>
-            <a:pPr marL="628650" lvl="1" indent="-171450">
-              <a:buFontTx/>
-              <a:buChar char="-"/>
-              <a:defRPr/>
-            </a:pPr>
-            <a:r>
-              <a:rPr lang="de-DE" dirty="0" smtClean="0"/>
-              <a:t>Dynamic: 0.9s</a:t>
-            </a:r>
-          </a:p>
-          <a:p>
-            <a:pPr marL="628650" lvl="1" indent="-171450">
-              <a:buFontTx/>
-              <a:buChar char="-"/>
-              <a:defRPr/>
-            </a:pPr>
-            <a:endParaRPr lang="de-DE" dirty="0" smtClean="0"/>
-          </a:p>
-          <a:p>
-            <a:pPr marL="171450" indent="-171450">
-              <a:buFontTx/>
-              <a:buChar char="-"/>
-              <a:defRPr/>
-            </a:pPr>
-            <a:r>
-              <a:rPr lang="de-DE" dirty="0" err="1" smtClean="0"/>
-              <a:t>Lare</a:t>
-            </a:r>
-            <a:r>
-              <a:rPr lang="de-DE" dirty="0" smtClean="0"/>
-              <a:t> </a:t>
-            </a:r>
-            <a:r>
-              <a:rPr lang="de-DE" dirty="0" err="1" smtClean="0"/>
-              <a:t>requests</a:t>
-            </a:r>
-            <a:r>
-              <a:rPr lang="de-DE" dirty="0" smtClean="0"/>
-              <a:t>:</a:t>
-            </a:r>
-          </a:p>
-          <a:p>
-            <a:pPr marL="628650" lvl="1" indent="-171450">
-              <a:buFontTx/>
-              <a:buChar char="-"/>
-              <a:defRPr/>
-            </a:pPr>
-            <a:r>
-              <a:rPr lang="de-DE" dirty="0" err="1" smtClean="0"/>
-              <a:t>Static</a:t>
-            </a:r>
-            <a:r>
-              <a:rPr lang="de-DE" dirty="0" smtClean="0"/>
-              <a:t>: 0.003s</a:t>
-            </a:r>
-          </a:p>
-          <a:p>
-            <a:pPr marL="628650" lvl="1" indent="-171450">
-              <a:buFontTx/>
-              <a:buChar char="-"/>
-              <a:defRPr/>
-            </a:pPr>
-            <a:r>
-              <a:rPr lang="de-DE" dirty="0" smtClean="0"/>
-              <a:t>Dynamic: 0.9s</a:t>
-            </a:r>
-          </a:p>
-          <a:p>
+              <a:rPr lang="de-DE" baseline="0" dirty="0" smtClean="0"/>
+              <a:t>The </a:t>
+            </a:r>
+            <a:r>
+              <a:rPr lang="de-DE" baseline="0" dirty="0" err="1" smtClean="0"/>
+              <a:t>server</a:t>
+            </a:r>
+            <a:r>
+              <a:rPr lang="de-DE" baseline="0" dirty="0" smtClean="0"/>
+              <a:t> </a:t>
+            </a:r>
+            <a:r>
+              <a:rPr lang="de-DE" baseline="0" dirty="0" err="1" smtClean="0"/>
+              <a:t>does</a:t>
+            </a:r>
+            <a:r>
+              <a:rPr lang="de-DE" baseline="0" dirty="0" smtClean="0"/>
+              <a:t> not </a:t>
+            </a:r>
+            <a:r>
+              <a:rPr lang="de-DE" baseline="0" dirty="0" err="1" smtClean="0"/>
+              <a:t>have</a:t>
+            </a:r>
+            <a:r>
+              <a:rPr lang="de-DE" baseline="0" dirty="0" smtClean="0"/>
+              <a:t> </a:t>
+            </a:r>
+            <a:r>
+              <a:rPr lang="de-DE" baseline="0" dirty="0" err="1" smtClean="0"/>
+              <a:t>to</a:t>
+            </a:r>
+            <a:r>
+              <a:rPr lang="de-DE" baseline="0" dirty="0" smtClean="0"/>
+              <a:t> </a:t>
+            </a:r>
+            <a:r>
+              <a:rPr lang="de-DE" baseline="0" dirty="0" err="1" smtClean="0"/>
+              <a:t>render</a:t>
+            </a:r>
+            <a:r>
+              <a:rPr lang="de-DE" baseline="0" dirty="0" smtClean="0"/>
+              <a:t> </a:t>
+            </a:r>
+            <a:r>
+              <a:rPr lang="de-DE" baseline="0" dirty="0" err="1" smtClean="0"/>
+              <a:t>data</a:t>
+            </a:r>
+            <a:r>
+              <a:rPr lang="de-DE" baseline="0" dirty="0" smtClean="0"/>
+              <a:t> </a:t>
+            </a:r>
+            <a:r>
+              <a:rPr lang="de-DE" baseline="0" dirty="0" err="1" smtClean="0"/>
+              <a:t>into</a:t>
+            </a:r>
+            <a:r>
+              <a:rPr lang="de-DE" baseline="0" dirty="0" smtClean="0"/>
+              <a:t> </a:t>
+            </a:r>
+            <a:r>
+              <a:rPr lang="de-DE" baseline="0" dirty="0" err="1" smtClean="0"/>
+              <a:t>template</a:t>
+            </a:r>
+            <a:r>
+              <a:rPr lang="de-DE" baseline="0" dirty="0" smtClean="0"/>
+              <a:t>, </a:t>
+            </a:r>
+            <a:r>
+              <a:rPr lang="de-DE" baseline="0" dirty="0" err="1" smtClean="0"/>
+              <a:t>and</a:t>
+            </a:r>
+            <a:r>
+              <a:rPr lang="de-DE" baseline="0" dirty="0" smtClean="0"/>
+              <a:t> so on</a:t>
+            </a:r>
             <a:endParaRPr lang="de-DE" dirty="0"/>
           </a:p>
         </p:txBody>

--- a/colloquium/colloquium.pptx
+++ b/colloquium/colloquium.pptx
@@ -3262,12 +3262,60 @@
               <a:defRPr/>
             </a:pPr>
             <a:r>
-              <a:rPr lang="de-DE" dirty="0" smtClean="0"/>
-              <a:t>Test </a:t>
-            </a:r>
-            <a:r>
-              <a:rPr lang="de-DE" dirty="0" err="1" smtClean="0"/>
+              <a:rPr lang="de-DE" dirty="0" err="1" smtClean="0"/>
+              <a:t>What</a:t>
+            </a:r>
+            <a:r>
+              <a:rPr lang="de-DE" baseline="0" dirty="0" smtClean="0"/>
+              <a:t> </a:t>
+            </a:r>
+            <a:r>
+              <a:rPr lang="de-DE" baseline="0" dirty="0" err="1" smtClean="0"/>
+              <a:t>does</a:t>
+            </a:r>
+            <a:r>
+              <a:rPr lang="de-DE" baseline="0" dirty="0" smtClean="0"/>
+              <a:t> </a:t>
+            </a:r>
+            <a:r>
+              <a:rPr lang="de-DE" baseline="0" dirty="0" err="1" smtClean="0"/>
+              <a:t>the</a:t>
+            </a:r>
+            <a:r>
+              <a:rPr lang="de-DE" baseline="0" dirty="0" smtClean="0"/>
+              <a:t> </a:t>
+            </a:r>
+            <a:r>
+              <a:rPr lang="de-DE" baseline="0" dirty="0" err="1" smtClean="0"/>
+              <a:t>test</a:t>
+            </a:r>
+            <a:r>
+              <a:rPr lang="de-DE" baseline="0" dirty="0" smtClean="0"/>
+              <a:t> </a:t>
+            </a:r>
+            <a:r>
+              <a:rPr lang="de-DE" baseline="0" dirty="0" err="1" smtClean="0"/>
               <a:t>suite</a:t>
+            </a:r>
+            <a:r>
+              <a:rPr lang="de-DE" baseline="0" dirty="0" smtClean="0"/>
+              <a:t> </a:t>
+            </a:r>
+            <a:r>
+              <a:rPr lang="de-DE" baseline="0" dirty="0" err="1" smtClean="0"/>
+              <a:t>consist</a:t>
+            </a:r>
+            <a:r>
+              <a:rPr lang="de-DE" baseline="0" dirty="0" smtClean="0"/>
+              <a:t> </a:t>
+            </a:r>
+            <a:r>
+              <a:rPr lang="de-DE" baseline="0" dirty="0" err="1" smtClean="0"/>
+              <a:t>of</a:t>
+            </a:r>
+            <a:r>
+              <a:rPr lang="de-DE" baseline="0" dirty="0" smtClean="0"/>
+              <a:t>?</a:t>
             </a:r>
             <a:endParaRPr lang="de-DE" dirty="0" smtClean="0"/>
           </a:p>
@@ -3507,6 +3555,126 @@
             <a:r>
               <a:rPr lang="de-DE" dirty="0" err="1" smtClean="0"/>
               <a:t>cache</a:t>
+            </a:r>
+            <a:endParaRPr lang="de-DE" dirty="0" smtClean="0"/>
+          </a:p>
+          <a:p>
+            <a:pPr marL="171450" lvl="0" indent="-171450">
+              <a:buFontTx/>
+              <a:buChar char="-"/>
+              <a:defRPr/>
+            </a:pPr>
+            <a:r>
+              <a:rPr lang="de-DE" dirty="0" smtClean="0"/>
+              <a:t>Angular</a:t>
+            </a:r>
+            <a:r>
+              <a:rPr lang="de-DE" baseline="0" dirty="0" smtClean="0"/>
+              <a:t> JS </a:t>
+            </a:r>
+            <a:r>
+              <a:rPr lang="de-DE" baseline="0" dirty="0" err="1" smtClean="0"/>
+              <a:t>is</a:t>
+            </a:r>
+            <a:r>
+              <a:rPr lang="de-DE" baseline="0" dirty="0" smtClean="0"/>
+              <a:t> a </a:t>
+            </a:r>
+            <a:r>
+              <a:rPr lang="de-DE" baseline="0" dirty="0" err="1" smtClean="0"/>
+              <a:t>client</a:t>
+            </a:r>
+            <a:r>
+              <a:rPr lang="de-DE" baseline="0" dirty="0" smtClean="0"/>
+              <a:t> </a:t>
+            </a:r>
+            <a:r>
+              <a:rPr lang="de-DE" baseline="0" dirty="0" err="1" smtClean="0"/>
+              <a:t>side</a:t>
+            </a:r>
+            <a:r>
+              <a:rPr lang="de-DE" baseline="0" dirty="0" smtClean="0"/>
+              <a:t> MVC </a:t>
+            </a:r>
+            <a:r>
+              <a:rPr lang="de-DE" baseline="0" dirty="0" err="1" smtClean="0"/>
+              <a:t>framework</a:t>
+            </a:r>
+            <a:endParaRPr lang="de-DE" baseline="0" dirty="0" smtClean="0"/>
+          </a:p>
+          <a:p>
+            <a:pPr marL="628650" lvl="1" indent="-171450">
+              <a:buFontTx/>
+              <a:buChar char="-"/>
+              <a:defRPr/>
+            </a:pPr>
+            <a:r>
+              <a:rPr lang="de-DE" baseline="0" dirty="0" err="1" smtClean="0"/>
+              <a:t>those</a:t>
+            </a:r>
+            <a:r>
+              <a:rPr lang="de-DE" baseline="0" dirty="0" smtClean="0"/>
+              <a:t> </a:t>
+            </a:r>
+            <a:r>
+              <a:rPr lang="de-DE" baseline="0" dirty="0" err="1" smtClean="0"/>
+              <a:t>frameworks</a:t>
+            </a:r>
+            <a:r>
+              <a:rPr lang="de-DE" baseline="0" dirty="0" smtClean="0"/>
+              <a:t> </a:t>
+            </a:r>
+            <a:r>
+              <a:rPr lang="de-DE" baseline="0" dirty="0" err="1" smtClean="0"/>
+              <a:t>are</a:t>
+            </a:r>
+            <a:r>
+              <a:rPr lang="de-DE" baseline="0" dirty="0" smtClean="0"/>
+              <a:t> </a:t>
+            </a:r>
+            <a:r>
+              <a:rPr lang="de-DE" baseline="0" dirty="0" err="1" smtClean="0"/>
+              <a:t>currently</a:t>
+            </a:r>
+            <a:r>
+              <a:rPr lang="de-DE" baseline="0" dirty="0" smtClean="0"/>
+              <a:t> </a:t>
+            </a:r>
+            <a:r>
+              <a:rPr lang="de-DE" baseline="0" dirty="0" err="1" smtClean="0"/>
+              <a:t>the</a:t>
+            </a:r>
+            <a:r>
+              <a:rPr lang="de-DE" baseline="0" dirty="0" smtClean="0"/>
+              <a:t> </a:t>
+            </a:r>
+            <a:r>
+              <a:rPr lang="de-DE" baseline="0" dirty="0" err="1" smtClean="0"/>
+              <a:t>base</a:t>
+            </a:r>
+            <a:r>
+              <a:rPr lang="de-DE" baseline="0" dirty="0" smtClean="0"/>
+              <a:t> </a:t>
+            </a:r>
+            <a:r>
+              <a:rPr lang="de-DE" baseline="0" dirty="0" err="1" smtClean="0"/>
+              <a:t>of</a:t>
+            </a:r>
+            <a:r>
+              <a:rPr lang="de-DE" baseline="0" dirty="0" smtClean="0"/>
+              <a:t> </a:t>
+            </a:r>
+            <a:r>
+              <a:rPr lang="de-DE" baseline="0" dirty="0" err="1" smtClean="0"/>
+              <a:t>the</a:t>
+            </a:r>
+            <a:r>
+              <a:rPr lang="de-DE" baseline="0" dirty="0" smtClean="0"/>
+              <a:t> fastest web </a:t>
+            </a:r>
+            <a:r>
+              <a:rPr lang="de-DE" baseline="0" dirty="0" err="1" smtClean="0"/>
+              <a:t>applications</a:t>
             </a:r>
             <a:endParaRPr lang="de-DE" dirty="0" smtClean="0"/>
           </a:p>
@@ -3720,6 +3888,157 @@
               <a:defRPr/>
             </a:pPr>
             <a:r>
+              <a:rPr lang="de-DE" dirty="0" smtClean="0"/>
+              <a:t>DESCRIPTION</a:t>
+            </a:r>
+            <a:r>
+              <a:rPr lang="de-DE" baseline="0" dirty="0" smtClean="0"/>
+              <a:t> OF THE DIAGRAM</a:t>
+            </a:r>
+          </a:p>
+          <a:p>
+            <a:pPr marL="171450" indent="-171450">
+              <a:buFontTx/>
+              <a:buChar char="-"/>
+              <a:defRPr/>
+            </a:pPr>
+            <a:endParaRPr lang="de-DE" dirty="0" smtClean="0"/>
+          </a:p>
+          <a:p>
+            <a:pPr marL="171450" indent="-171450">
+              <a:buFontTx/>
+              <a:buChar char="-"/>
+              <a:defRPr/>
+            </a:pPr>
+            <a:r>
+              <a:rPr lang="de-DE" dirty="0" err="1" smtClean="0"/>
+              <a:t>We</a:t>
+            </a:r>
+            <a:r>
+              <a:rPr lang="de-DE" dirty="0" smtClean="0"/>
+              <a:t> </a:t>
+            </a:r>
+            <a:r>
+              <a:rPr lang="de-DE" dirty="0" err="1" smtClean="0"/>
+              <a:t>see</a:t>
+            </a:r>
+            <a:r>
+              <a:rPr lang="de-DE" dirty="0" smtClean="0"/>
+              <a:t> </a:t>
+            </a:r>
+            <a:r>
+              <a:rPr lang="de-DE" dirty="0" err="1" smtClean="0"/>
+              <a:t>load</a:t>
+            </a:r>
+            <a:r>
+              <a:rPr lang="de-DE" dirty="0" smtClean="0"/>
+              <a:t> </a:t>
+            </a:r>
+            <a:r>
+              <a:rPr lang="de-DE" dirty="0" err="1" smtClean="0"/>
+              <a:t>times</a:t>
+            </a:r>
+            <a:r>
+              <a:rPr lang="de-DE" dirty="0" smtClean="0"/>
+              <a:t> </a:t>
+            </a:r>
+            <a:r>
+              <a:rPr lang="de-DE" baseline="0" dirty="0" err="1" smtClean="0"/>
+              <a:t>of</a:t>
+            </a:r>
+            <a:r>
+              <a:rPr lang="de-DE" baseline="0" dirty="0" smtClean="0"/>
+              <a:t> different page-</a:t>
+            </a:r>
+            <a:r>
+              <a:rPr lang="de-DE" baseline="0" dirty="0" err="1" smtClean="0"/>
+              <a:t>to</a:t>
+            </a:r>
+            <a:r>
+              <a:rPr lang="de-DE" baseline="0" dirty="0" smtClean="0"/>
+              <a:t>-page </a:t>
+            </a:r>
+            <a:r>
+              <a:rPr lang="de-DE" baseline="0" dirty="0" err="1" smtClean="0"/>
+              <a:t>requests</a:t>
+            </a:r>
+            <a:r>
+              <a:rPr lang="de-DE" baseline="0" dirty="0" smtClean="0"/>
+              <a:t> </a:t>
+            </a:r>
+            <a:r>
+              <a:rPr lang="de-DE" baseline="0" dirty="0" err="1" smtClean="0"/>
+              <a:t>and</a:t>
+            </a:r>
+            <a:r>
+              <a:rPr lang="de-DE" baseline="0" dirty="0" smtClean="0"/>
+              <a:t> </a:t>
+            </a:r>
+            <a:r>
+              <a:rPr lang="de-DE" baseline="0" dirty="0" err="1" smtClean="0"/>
+              <a:t>if</a:t>
+            </a:r>
+            <a:r>
+              <a:rPr lang="de-DE" baseline="0" dirty="0" smtClean="0"/>
+              <a:t> </a:t>
+            </a:r>
+            <a:r>
+              <a:rPr lang="de-DE" baseline="0" dirty="0" err="1" smtClean="0"/>
+              <a:t>db</a:t>
+            </a:r>
+            <a:r>
+              <a:rPr lang="de-DE" baseline="0" dirty="0" smtClean="0"/>
+              <a:t> </a:t>
+            </a:r>
+            <a:r>
+              <a:rPr lang="de-DE" baseline="0" dirty="0" err="1" smtClean="0"/>
+              <a:t>caching</a:t>
+            </a:r>
+            <a:r>
+              <a:rPr lang="de-DE" baseline="0" dirty="0" smtClean="0"/>
+              <a:t> </a:t>
+            </a:r>
+            <a:r>
+              <a:rPr lang="de-DE" baseline="0" dirty="0" err="1" smtClean="0"/>
+              <a:t>is</a:t>
+            </a:r>
+            <a:r>
+              <a:rPr lang="de-DE" baseline="0" dirty="0" smtClean="0"/>
+              <a:t> </a:t>
+            </a:r>
+            <a:r>
+              <a:rPr lang="de-DE" baseline="0" dirty="0" err="1" smtClean="0"/>
+              <a:t>enabled</a:t>
+            </a:r>
+            <a:r>
+              <a:rPr lang="de-DE" baseline="0" dirty="0" smtClean="0"/>
+              <a:t> </a:t>
+            </a:r>
+            <a:r>
+              <a:rPr lang="de-DE" baseline="0" dirty="0" err="1" smtClean="0"/>
+              <a:t>or</a:t>
+            </a:r>
+            <a:r>
+              <a:rPr lang="de-DE" baseline="0" smtClean="0"/>
+              <a:t> not</a:t>
+            </a:r>
+            <a:endParaRPr lang="de-DE" dirty="0" smtClean="0"/>
+          </a:p>
+          <a:p>
+            <a:pPr marL="171450" indent="-171450">
+              <a:buFontTx/>
+              <a:buChar char="-"/>
+              <a:defRPr/>
+            </a:pPr>
+            <a:endParaRPr lang="de-DE" dirty="0" smtClean="0"/>
+          </a:p>
+          <a:p>
+            <a:pPr marL="171450" indent="-171450">
+              <a:buFontTx/>
+              <a:buChar char="-"/>
+              <a:defRPr/>
+            </a:pPr>
+            <a:r>
               <a:rPr lang="de-DE" dirty="0" err="1" smtClean="0"/>
               <a:t>Let‘s</a:t>
             </a:r>
@@ -3952,6 +4271,50 @@
             <a:endParaRPr lang="de-DE" baseline="0" dirty="0" smtClean="0"/>
           </a:p>
           <a:p>
+            <a:pPr marL="1085850" lvl="2" indent="-171450">
+              <a:buFontTx/>
+              <a:buChar char="-"/>
+              <a:defRPr/>
+            </a:pPr>
+            <a:r>
+              <a:rPr lang="de-DE" baseline="0" dirty="0" err="1" smtClean="0"/>
+              <a:t>no</a:t>
+            </a:r>
+            <a:r>
+              <a:rPr lang="de-DE" baseline="0" dirty="0" smtClean="0"/>
+              <a:t> </a:t>
+            </a:r>
+            <a:r>
+              <a:rPr lang="de-DE" baseline="0" dirty="0" err="1" smtClean="0"/>
+              <a:t>query</a:t>
+            </a:r>
+            <a:r>
+              <a:rPr lang="de-DE" baseline="0" dirty="0" smtClean="0"/>
+              <a:t> </a:t>
+            </a:r>
+            <a:r>
+              <a:rPr lang="de-DE" baseline="0" dirty="0" err="1" smtClean="0"/>
+              <a:t>can</a:t>
+            </a:r>
+            <a:r>
+              <a:rPr lang="de-DE" baseline="0" dirty="0" smtClean="0"/>
+              <a:t> </a:t>
+            </a:r>
+            <a:r>
+              <a:rPr lang="de-DE" baseline="0" dirty="0" err="1" smtClean="0"/>
+              <a:t>be</a:t>
+            </a:r>
+            <a:r>
+              <a:rPr lang="de-DE" baseline="0" dirty="0" smtClean="0"/>
+              <a:t> </a:t>
+            </a:r>
+            <a:r>
+              <a:rPr lang="de-DE" baseline="0" dirty="0" err="1" smtClean="0"/>
+              <a:t>avoided</a:t>
+            </a:r>
+            <a:endParaRPr lang="de-DE" baseline="0" dirty="0" smtClean="0"/>
+          </a:p>
+          <a:p>
             <a:pPr marL="171450" lvl="0" indent="-171450">
               <a:buFontTx/>
               <a:buChar char="-"/>
@@ -4017,7 +4380,26 @@
               <a:rPr lang="de-DE" baseline="0" dirty="0" err="1" smtClean="0"/>
               <a:t>lare</a:t>
             </a:r>
-            <a:endParaRPr lang="de-DE" baseline="0" dirty="0" smtClean="0"/>
+            <a:r>
+              <a:rPr lang="de-DE" baseline="0" dirty="0" smtClean="0"/>
+              <a:t> (last </a:t>
+            </a:r>
+            <a:r>
+              <a:rPr lang="de-DE" baseline="0" dirty="0" err="1" smtClean="0"/>
+              <a:t>two</a:t>
+            </a:r>
+            <a:r>
+              <a:rPr lang="de-DE" baseline="0" dirty="0" smtClean="0"/>
+              <a:t> </a:t>
+            </a:r>
+            <a:r>
+              <a:rPr lang="de-DE" baseline="0" dirty="0" err="1" smtClean="0"/>
+              <a:t>lines</a:t>
+            </a:r>
+            <a:r>
+              <a:rPr lang="de-DE" baseline="0" dirty="0" smtClean="0"/>
+              <a:t>)</a:t>
+            </a:r>
           </a:p>
           <a:p>
             <a:pPr marL="628650" lvl="1" indent="-171450">
@@ -4069,7 +4451,34 @@
               <a:rPr lang="de-DE" baseline="0" dirty="0" err="1" smtClean="0"/>
               <a:t>disabled</a:t>
             </a:r>
-            <a:endParaRPr lang="de-DE" dirty="0" smtClean="0"/>
+            <a:endParaRPr lang="de-DE" baseline="0" dirty="0" smtClean="0"/>
+          </a:p>
+          <a:p>
+            <a:pPr marL="628650" lvl="1" indent="-171450">
+              <a:buFontTx/>
+              <a:buChar char="-"/>
+              <a:defRPr/>
+            </a:pPr>
+            <a:r>
+              <a:rPr lang="de-DE" baseline="0" dirty="0" smtClean="0"/>
+              <a:t>in </a:t>
+            </a:r>
+            <a:r>
+              <a:rPr lang="de-DE" baseline="0" dirty="0" err="1" smtClean="0"/>
+              <a:t>this</a:t>
+            </a:r>
+            <a:r>
+              <a:rPr lang="de-DE" baseline="0" dirty="0" smtClean="0"/>
+              <a:t> </a:t>
+            </a:r>
+            <a:r>
+              <a:rPr lang="de-DE" baseline="0" dirty="0" err="1" smtClean="0"/>
+              <a:t>case</a:t>
+            </a:r>
+            <a:r>
+              <a:rPr lang="de-DE" baseline="0" dirty="0" smtClean="0"/>
+              <a:t> 8%</a:t>
+            </a:r>
           </a:p>
         </p:txBody>
       </p:sp>
@@ -4309,6 +4718,98 @@
             </a:r>
           </a:p>
           <a:p>
+            <a:pPr marL="1085850" lvl="2" indent="-171450">
+              <a:buFontTx/>
+              <a:buChar char="-"/>
+              <a:defRPr/>
+            </a:pPr>
+            <a:r>
+              <a:rPr lang="de-DE" baseline="0" dirty="0" err="1" smtClean="0"/>
+              <a:t>caused</a:t>
+            </a:r>
+            <a:r>
+              <a:rPr lang="de-DE" baseline="0" dirty="0" smtClean="0"/>
+              <a:t> </a:t>
+            </a:r>
+            <a:r>
+              <a:rPr lang="de-DE" baseline="0" dirty="0" err="1" smtClean="0"/>
+              <a:t>by</a:t>
+            </a:r>
+            <a:r>
+              <a:rPr lang="de-DE" baseline="0" dirty="0" smtClean="0"/>
+              <a:t> </a:t>
+            </a:r>
+            <a:r>
+              <a:rPr lang="de-DE" baseline="0" dirty="0" err="1" smtClean="0"/>
+              <a:t>the</a:t>
+            </a:r>
+            <a:r>
+              <a:rPr lang="de-DE" baseline="0" dirty="0" smtClean="0"/>
+              <a:t> </a:t>
+            </a:r>
+            <a:r>
+              <a:rPr lang="de-DE" baseline="0" dirty="0" err="1" smtClean="0"/>
+              <a:t>resources</a:t>
+            </a:r>
+            <a:r>
+              <a:rPr lang="de-DE" baseline="0" dirty="0" smtClean="0"/>
+              <a:t> </a:t>
+            </a:r>
+            <a:r>
+              <a:rPr lang="de-DE" baseline="0" dirty="0" err="1" smtClean="0"/>
+              <a:t>which</a:t>
+            </a:r>
+            <a:r>
+              <a:rPr lang="de-DE" baseline="0" dirty="0" smtClean="0"/>
+              <a:t> </a:t>
+            </a:r>
+            <a:r>
+              <a:rPr lang="de-DE" baseline="0" dirty="0" err="1" smtClean="0"/>
+              <a:t>are</a:t>
+            </a:r>
+            <a:r>
+              <a:rPr lang="de-DE" baseline="0" dirty="0" smtClean="0"/>
+              <a:t> not </a:t>
+            </a:r>
+            <a:r>
+              <a:rPr lang="de-DE" baseline="0" dirty="0" err="1" smtClean="0"/>
+              <a:t>needed</a:t>
+            </a:r>
+            <a:r>
+              <a:rPr lang="de-DE" baseline="0" dirty="0" smtClean="0"/>
+              <a:t> </a:t>
+            </a:r>
+            <a:r>
+              <a:rPr lang="de-DE" baseline="0" dirty="0" err="1" smtClean="0"/>
+              <a:t>to</a:t>
+            </a:r>
+            <a:r>
+              <a:rPr lang="de-DE" baseline="0" dirty="0" smtClean="0"/>
+              <a:t> </a:t>
+            </a:r>
+            <a:r>
+              <a:rPr lang="de-DE" baseline="0" dirty="0" err="1" smtClean="0"/>
+              <a:t>be</a:t>
+            </a:r>
+            <a:r>
+              <a:rPr lang="de-DE" baseline="0" dirty="0" smtClean="0"/>
+              <a:t> </a:t>
+            </a:r>
+            <a:r>
+              <a:rPr lang="de-DE" baseline="0" dirty="0" err="1" smtClean="0"/>
+              <a:t>loaded</a:t>
+            </a:r>
+            <a:r>
+              <a:rPr lang="de-DE" baseline="0" dirty="0" smtClean="0"/>
+              <a:t> </a:t>
+            </a:r>
+            <a:r>
+              <a:rPr lang="de-DE" baseline="0" dirty="0" err="1" smtClean="0"/>
+              <a:t>again</a:t>
+            </a:r>
+            <a:endParaRPr lang="de-DE" baseline="0" dirty="0" smtClean="0"/>
+          </a:p>
+          <a:p>
             <a:pPr marL="628650" lvl="1" indent="-171450">
               <a:buFontTx/>
               <a:buChar char="-"/>
@@ -6175,6 +6676,185 @@
             <a:endParaRPr lang="de-DE" baseline="0" dirty="0" smtClean="0"/>
           </a:p>
           <a:p>
+            <a:pPr marL="171450" lvl="0" indent="-171450">
+              <a:buFontTx/>
+              <a:buChar char="-"/>
+            </a:pPr>
+            <a:r>
+              <a:rPr lang="de-DE" baseline="0" dirty="0" smtClean="0"/>
+              <a:t>At </a:t>
+            </a:r>
+            <a:r>
+              <a:rPr lang="de-DE" baseline="0" dirty="0" err="1" smtClean="0"/>
+              <a:t>the</a:t>
+            </a:r>
+            <a:r>
+              <a:rPr lang="de-DE" baseline="0" dirty="0" smtClean="0"/>
+              <a:t> </a:t>
+            </a:r>
+            <a:r>
+              <a:rPr lang="de-DE" baseline="0" dirty="0" err="1" smtClean="0"/>
+              <a:t>moment</a:t>
+            </a:r>
+            <a:r>
+              <a:rPr lang="de-DE" baseline="0" dirty="0" smtClean="0"/>
+              <a:t> </a:t>
+            </a:r>
+            <a:r>
+              <a:rPr lang="de-DE" baseline="0" dirty="0" err="1" smtClean="0"/>
+              <a:t>there</a:t>
+            </a:r>
+            <a:r>
+              <a:rPr lang="de-DE" baseline="0" dirty="0" smtClean="0"/>
+              <a:t> a </a:t>
+            </a:r>
+            <a:r>
+              <a:rPr lang="de-DE" baseline="0" dirty="0" err="1" smtClean="0"/>
+              <a:t>several</a:t>
+            </a:r>
+            <a:r>
+              <a:rPr lang="de-DE" baseline="0" dirty="0" smtClean="0"/>
+              <a:t> </a:t>
+            </a:r>
+            <a:r>
+              <a:rPr lang="de-DE" baseline="0" dirty="0" err="1" smtClean="0"/>
+              <a:t>techniques</a:t>
+            </a:r>
+            <a:r>
+              <a:rPr lang="de-DE" baseline="0" dirty="0" smtClean="0"/>
+              <a:t> </a:t>
+            </a:r>
+            <a:r>
+              <a:rPr lang="de-DE" baseline="0" dirty="0" err="1" smtClean="0"/>
+              <a:t>to</a:t>
+            </a:r>
+            <a:r>
+              <a:rPr lang="de-DE" baseline="0" dirty="0" smtClean="0"/>
+              <a:t> </a:t>
+            </a:r>
+            <a:r>
+              <a:rPr lang="de-DE" baseline="0" dirty="0" err="1" smtClean="0"/>
+              <a:t>improve</a:t>
+            </a:r>
+            <a:r>
+              <a:rPr lang="de-DE" baseline="0" dirty="0" smtClean="0"/>
+              <a:t> </a:t>
+            </a:r>
+            <a:r>
+              <a:rPr lang="de-DE" baseline="0" dirty="0" err="1" smtClean="0"/>
+              <a:t>this</a:t>
+            </a:r>
+            <a:r>
+              <a:rPr lang="de-DE" baseline="0" dirty="0" smtClean="0"/>
+              <a:t>:</a:t>
+            </a:r>
+          </a:p>
+          <a:p>
+            <a:pPr marL="628650" lvl="1" indent="-171450">
+              <a:buFontTx/>
+              <a:buChar char="-"/>
+            </a:pPr>
+            <a:r>
+              <a:rPr lang="de-DE" baseline="0" dirty="0" smtClean="0"/>
+              <a:t>PJAX (</a:t>
+            </a:r>
+            <a:r>
+              <a:rPr lang="de-DE" baseline="0" dirty="0" err="1" smtClean="0"/>
+              <a:t>Pushstate</a:t>
+            </a:r>
+            <a:r>
+              <a:rPr lang="de-DE" baseline="0" dirty="0" smtClean="0"/>
+              <a:t> AJAX) </a:t>
+            </a:r>
+            <a:r>
+              <a:rPr lang="de-DE" baseline="0" dirty="0" err="1" smtClean="0"/>
+              <a:t>which</a:t>
+            </a:r>
+            <a:r>
+              <a:rPr lang="de-DE" baseline="0" dirty="0" smtClean="0"/>
+              <a:t> </a:t>
+            </a:r>
+            <a:r>
+              <a:rPr lang="de-DE" baseline="0" dirty="0" err="1" smtClean="0"/>
+              <a:t>only</a:t>
+            </a:r>
+            <a:r>
+              <a:rPr lang="de-DE" baseline="0" dirty="0" smtClean="0"/>
+              <a:t> </a:t>
+            </a:r>
+            <a:r>
+              <a:rPr lang="de-DE" baseline="0" dirty="0" err="1" smtClean="0"/>
+              <a:t>can</a:t>
+            </a:r>
+            <a:r>
+              <a:rPr lang="de-DE" baseline="0" dirty="0" smtClean="0"/>
+              <a:t> </a:t>
+            </a:r>
+            <a:r>
+              <a:rPr lang="de-DE" baseline="0" dirty="0" err="1" smtClean="0"/>
+              <a:t>replace</a:t>
+            </a:r>
+            <a:r>
+              <a:rPr lang="de-DE" baseline="0" dirty="0" smtClean="0"/>
+              <a:t> </a:t>
+            </a:r>
+            <a:r>
+              <a:rPr lang="de-DE" baseline="0" dirty="0" err="1" smtClean="0"/>
+              <a:t>one</a:t>
+            </a:r>
+            <a:r>
+              <a:rPr lang="de-DE" baseline="0" dirty="0" smtClean="0"/>
+              <a:t> </a:t>
+            </a:r>
+            <a:r>
+              <a:rPr lang="de-DE" baseline="0" dirty="0" err="1" smtClean="0"/>
+              <a:t>container</a:t>
+            </a:r>
+            <a:r>
+              <a:rPr lang="de-DE" baseline="0" dirty="0" smtClean="0"/>
+              <a:t> at a time</a:t>
+            </a:r>
+          </a:p>
+          <a:p>
+            <a:pPr marL="628650" lvl="1" indent="-171450">
+              <a:buFontTx/>
+              <a:buChar char="-"/>
+            </a:pPr>
+            <a:r>
+              <a:rPr lang="de-DE" baseline="0" dirty="0" smtClean="0"/>
+              <a:t>Client-Side MVCs (like </a:t>
+            </a:r>
+            <a:r>
+              <a:rPr lang="de-DE" baseline="0" dirty="0" err="1" smtClean="0"/>
+              <a:t>AngularJS</a:t>
+            </a:r>
+            <a:r>
+              <a:rPr lang="de-DE" baseline="0" dirty="0" smtClean="0"/>
+              <a:t>) </a:t>
+            </a:r>
+            <a:r>
+              <a:rPr lang="de-DE" baseline="0" dirty="0" err="1" smtClean="0"/>
+              <a:t>which</a:t>
+            </a:r>
+            <a:r>
+              <a:rPr lang="de-DE" baseline="0" dirty="0" smtClean="0"/>
+              <a:t> </a:t>
+            </a:r>
+            <a:r>
+              <a:rPr lang="de-DE" baseline="0" dirty="0" err="1" smtClean="0"/>
+              <a:t>need</a:t>
+            </a:r>
+            <a:r>
+              <a:rPr lang="de-DE" baseline="0" dirty="0" smtClean="0"/>
+              <a:t> multiple </a:t>
+            </a:r>
+            <a:r>
+              <a:rPr lang="de-DE" baseline="0" dirty="0" err="1" smtClean="0"/>
+              <a:t>endpoints</a:t>
+            </a:r>
+            <a:endParaRPr lang="de-DE" baseline="0" dirty="0" smtClean="0"/>
+          </a:p>
+          <a:p>
             <a:pPr marL="171450" indent="-171450">
               <a:buFontTx/>
               <a:buChar char="-"/>
@@ -6188,10 +6868,10 @@
             </a:pPr>
             <a:r>
               <a:rPr lang="de-DE" dirty="0" err="1" smtClean="0"/>
-              <a:t>One</a:t>
-            </a:r>
-            <a:r>
-              <a:rPr lang="de-DE" baseline="0" dirty="0" smtClean="0"/>
+              <a:t>Another</a:t>
+            </a:r>
+            <a:r>
+              <a:rPr lang="de-DE" dirty="0" smtClean="0"/>
               <a:t> </a:t>
             </a:r>
             <a:r>
@@ -15083,8 +15763,16 @@
               <a:defRPr/>
             </a:pPr>
             <a:r>
+              <a:rPr lang="de-DE" dirty="0" smtClean="0"/>
+              <a:t>Database (</a:t>
+            </a:r>
+            <a:r>
               <a:rPr lang="de-DE" dirty="0" err="1" smtClean="0"/>
               <a:t>Mysql</a:t>
+            </a:r>
+            <a:r>
+              <a:rPr lang="de-DE" dirty="0" smtClean="0"/>
+              <a:t>)</a:t>
             </a:r>
             <a:endParaRPr lang="de-DE" dirty="0" smtClean="0"/>
           </a:p>
@@ -16421,7 +17109,7 @@
             <p:ph idx="1"/>
             <p:extLst>
               <p:ext uri="{D42A27DB-BD31-4B8C-83A1-F6EECF244321}">
-                <p14:modId xmlns:p14="http://schemas.microsoft.com/office/powerpoint/2010/main" val="1386510139"/>
+                <p14:modId xmlns:p14="http://schemas.microsoft.com/office/powerpoint/2010/main" val="849394218"/>
               </p:ext>
             </p:extLst>
           </p:nvPr>
@@ -16997,7 +17685,7 @@
                     <a:p>
                       <a:r>
                         <a:rPr lang="de-DE" sz="1600" dirty="0" smtClean="0"/>
-                        <a:t>1499.23</a:t>
+                        <a:t>1499.23ms</a:t>
                       </a:r>
                       <a:endParaRPr lang="de-DE" sz="1600" dirty="0"/>
                     </a:p>
@@ -17413,7 +18101,7 @@
         <p:spPr/>
         <p:txBody>
           <a:bodyPr>
-            <a:normAutofit fontScale="92500" lnSpcReduction="10000"/>
+            <a:normAutofit fontScale="92500"/>
           </a:bodyPr>
           <a:lstStyle/>
           <a:p>
@@ -17518,14 +18206,6 @@
               <a:rPr lang="de-DE" dirty="0" err="1" smtClean="0"/>
               <a:t>work</a:t>
             </a:r>
-            <a:endParaRPr lang="de-DE" dirty="0" smtClean="0"/>
-          </a:p>
-          <a:p>
-            <a:pPr lvl="2">
-              <a:buFont typeface="Wingdings" charset="0"/>
-              <a:buChar char="§"/>
-              <a:defRPr/>
-            </a:pPr>
             <a:endParaRPr lang="de-DE" dirty="0"/>
           </a:p>
           <a:p>
@@ -17552,7 +18232,11 @@
             </a:r>
             <a:r>
               <a:rPr lang="de-DE" dirty="0"/>
-              <a:t> 10000 </a:t>
+              <a:t> </a:t>
+            </a:r>
+            <a:r>
+              <a:rPr lang="de-DE" dirty="0" smtClean="0"/>
+              <a:t>10000 </a:t>
             </a:r>
             <a:r>
               <a:rPr lang="de-DE" dirty="0" err="1"/>
@@ -19169,7 +19853,7 @@
               <a:rPr lang="de-DE" dirty="0" err="1" smtClean="0"/>
               <a:t>implementation</a:t>
             </a:r>
-            <a:endParaRPr lang="de-DE" dirty="0"/>
+            <a:endParaRPr lang="de-DE" dirty="0" smtClean="0"/>
           </a:p>
           <a:p>
             <a:pPr>
@@ -19179,7 +19863,70 @@
             </a:pPr>
             <a:r>
               <a:rPr lang="de-DE" dirty="0" smtClean="0"/>
-              <a:t>Solution: </a:t>
+              <a:t>State </a:t>
+            </a:r>
+            <a:r>
+              <a:rPr lang="de-DE" dirty="0" err="1" smtClean="0"/>
+              <a:t>of</a:t>
+            </a:r>
+            <a:r>
+              <a:rPr lang="de-DE" dirty="0" smtClean="0"/>
+              <a:t> </a:t>
+            </a:r>
+            <a:r>
+              <a:rPr lang="de-DE" dirty="0" err="1" smtClean="0"/>
+              <a:t>the</a:t>
+            </a:r>
+            <a:r>
+              <a:rPr lang="de-DE" dirty="0" smtClean="0"/>
+              <a:t> </a:t>
+            </a:r>
+            <a:r>
+              <a:rPr lang="de-DE" dirty="0" err="1" smtClean="0"/>
+              <a:t>art</a:t>
+            </a:r>
+            <a:r>
+              <a:rPr lang="de-DE" dirty="0" smtClean="0"/>
+              <a:t>: PJAX, Client-</a:t>
+            </a:r>
+            <a:r>
+              <a:rPr lang="de-DE" dirty="0" err="1" smtClean="0"/>
+              <a:t>side</a:t>
+            </a:r>
+            <a:r>
+              <a:rPr lang="de-DE" dirty="0" smtClean="0"/>
+              <a:t> MVC (</a:t>
+            </a:r>
+            <a:r>
+              <a:rPr lang="de-DE" dirty="0" err="1" smtClean="0"/>
+              <a:t>AngularJS</a:t>
+            </a:r>
+            <a:r>
+              <a:rPr lang="de-DE" dirty="0" smtClean="0"/>
+              <a:t>)</a:t>
+            </a:r>
+          </a:p>
+          <a:p>
+            <a:pPr>
+              <a:buFont typeface="Wingdings" charset="0"/>
+              <a:buChar char="§"/>
+              <a:defRPr/>
+            </a:pPr>
+            <a:r>
+              <a:rPr lang="de-DE" dirty="0" err="1" smtClean="0"/>
+              <a:t>Another</a:t>
+            </a:r>
+            <a:r>
+              <a:rPr lang="de-DE" dirty="0" smtClean="0"/>
+              <a:t> </a:t>
+            </a:r>
+            <a:r>
+              <a:rPr lang="de-DE" dirty="0" err="1" smtClean="0"/>
+              <a:t>solution</a:t>
+            </a:r>
+            <a:r>
+              <a:rPr lang="de-DE" dirty="0" smtClean="0"/>
+              <a:t>: </a:t>
             </a:r>
             <a:r>
               <a:rPr lang="de-DE" altLang="de-DE" dirty="0" err="1"/>
